--- a/draft_architecture.pptx
+++ b/draft_architecture.pptx
@@ -6,7 +6,7 @@
   </p:sldMasterIdLst>
   <p:sldIdLst>
     <p:sldId id="256" r:id="rId2"/>
-    <p:sldId id="258" r:id="rId3"/>
+    <p:sldId id="260" r:id="rId3"/>
   </p:sldIdLst>
   <p:sldSz cx="12192000" cy="6858000"/>
   <p:notesSz cx="6858000" cy="9144000"/>
@@ -166,7 +166,7 @@
           </a:lstStyle>
           <a:p>
             <a:r>
-              <a:rPr lang="en-US" smtClean="0"/>
+              <a:rPr lang="en-US"/>
               <a:t>Click to edit Master title style</a:t>
             </a:r>
             <a:endParaRPr lang="en-SG"/>
@@ -231,7 +231,7 @@
           </a:lstStyle>
           <a:p>
             <a:r>
-              <a:rPr lang="en-US" smtClean="0"/>
+              <a:rPr lang="en-US"/>
               <a:t>Click to edit Master subtitle style</a:t>
             </a:r>
             <a:endParaRPr lang="en-SG"/>
@@ -255,7 +255,7 @@
           <a:p>
             <a:fld id="{3F801711-7CE4-4FD5-ADAB-BC2E45144997}" type="datetimeFigureOut">
               <a:rPr lang="en-SG" smtClean="0"/>
-              <a:t>11/2/2019</a:t>
+              <a:t>1/3/2019</a:t>
             </a:fld>
             <a:endParaRPr lang="en-SG"/>
           </a:p>
@@ -349,7 +349,7 @@
           <a:lstStyle/>
           <a:p>
             <a:r>
-              <a:rPr lang="en-US" smtClean="0"/>
+              <a:rPr lang="en-US"/>
               <a:t>Click to edit Master title style</a:t>
             </a:r>
             <a:endParaRPr lang="en-SG"/>
@@ -373,35 +373,35 @@
           <a:p>
             <a:pPr lvl="0"/>
             <a:r>
-              <a:rPr lang="en-US" smtClean="0"/>
+              <a:rPr lang="en-US"/>
               <a:t>Click to edit Master text styles</a:t>
             </a:r>
           </a:p>
           <a:p>
             <a:pPr lvl="1"/>
             <a:r>
-              <a:rPr lang="en-US" smtClean="0"/>
+              <a:rPr lang="en-US"/>
               <a:t>Second level</a:t>
             </a:r>
           </a:p>
           <a:p>
             <a:pPr lvl="2"/>
             <a:r>
-              <a:rPr lang="en-US" smtClean="0"/>
+              <a:rPr lang="en-US"/>
               <a:t>Third level</a:t>
             </a:r>
           </a:p>
           <a:p>
             <a:pPr lvl="3"/>
             <a:r>
-              <a:rPr lang="en-US" smtClean="0"/>
+              <a:rPr lang="en-US"/>
               <a:t>Fourth level</a:t>
             </a:r>
           </a:p>
           <a:p>
             <a:pPr lvl="4"/>
             <a:r>
-              <a:rPr lang="en-US" smtClean="0"/>
+              <a:rPr lang="en-US"/>
               <a:t>Fifth level</a:t>
             </a:r>
             <a:endParaRPr lang="en-SG"/>
@@ -425,7 +425,7 @@
           <a:p>
             <a:fld id="{3F801711-7CE4-4FD5-ADAB-BC2E45144997}" type="datetimeFigureOut">
               <a:rPr lang="en-SG" smtClean="0"/>
-              <a:t>11/2/2019</a:t>
+              <a:t>1/3/2019</a:t>
             </a:fld>
             <a:endParaRPr lang="en-SG"/>
           </a:p>
@@ -524,7 +524,7 @@
           <a:lstStyle/>
           <a:p>
             <a:r>
-              <a:rPr lang="en-US" smtClean="0"/>
+              <a:rPr lang="en-US"/>
               <a:t>Click to edit Master title style</a:t>
             </a:r>
             <a:endParaRPr lang="en-SG"/>
@@ -553,35 +553,35 @@
           <a:p>
             <a:pPr lvl="0"/>
             <a:r>
-              <a:rPr lang="en-US" smtClean="0"/>
+              <a:rPr lang="en-US"/>
               <a:t>Click to edit Master text styles</a:t>
             </a:r>
           </a:p>
           <a:p>
             <a:pPr lvl="1"/>
             <a:r>
-              <a:rPr lang="en-US" smtClean="0"/>
+              <a:rPr lang="en-US"/>
               <a:t>Second level</a:t>
             </a:r>
           </a:p>
           <a:p>
             <a:pPr lvl="2"/>
             <a:r>
-              <a:rPr lang="en-US" smtClean="0"/>
+              <a:rPr lang="en-US"/>
               <a:t>Third level</a:t>
             </a:r>
           </a:p>
           <a:p>
             <a:pPr lvl="3"/>
             <a:r>
-              <a:rPr lang="en-US" smtClean="0"/>
+              <a:rPr lang="en-US"/>
               <a:t>Fourth level</a:t>
             </a:r>
           </a:p>
           <a:p>
             <a:pPr lvl="4"/>
             <a:r>
-              <a:rPr lang="en-US" smtClean="0"/>
+              <a:rPr lang="en-US"/>
               <a:t>Fifth level</a:t>
             </a:r>
             <a:endParaRPr lang="en-SG"/>
@@ -605,7 +605,7 @@
           <a:p>
             <a:fld id="{3F801711-7CE4-4FD5-ADAB-BC2E45144997}" type="datetimeFigureOut">
               <a:rPr lang="en-SG" smtClean="0"/>
-              <a:t>11/2/2019</a:t>
+              <a:t>1/3/2019</a:t>
             </a:fld>
             <a:endParaRPr lang="en-SG"/>
           </a:p>
@@ -699,7 +699,7 @@
           <a:lstStyle/>
           <a:p>
             <a:r>
-              <a:rPr lang="en-US" smtClean="0"/>
+              <a:rPr lang="en-US"/>
               <a:t>Click to edit Master title style</a:t>
             </a:r>
             <a:endParaRPr lang="en-SG"/>
@@ -723,35 +723,35 @@
           <a:p>
             <a:pPr lvl="0"/>
             <a:r>
-              <a:rPr lang="en-US" smtClean="0"/>
+              <a:rPr lang="en-US"/>
               <a:t>Click to edit Master text styles</a:t>
             </a:r>
           </a:p>
           <a:p>
             <a:pPr lvl="1"/>
             <a:r>
-              <a:rPr lang="en-US" smtClean="0"/>
+              <a:rPr lang="en-US"/>
               <a:t>Second level</a:t>
             </a:r>
           </a:p>
           <a:p>
             <a:pPr lvl="2"/>
             <a:r>
-              <a:rPr lang="en-US" smtClean="0"/>
+              <a:rPr lang="en-US"/>
               <a:t>Third level</a:t>
             </a:r>
           </a:p>
           <a:p>
             <a:pPr lvl="3"/>
             <a:r>
-              <a:rPr lang="en-US" smtClean="0"/>
+              <a:rPr lang="en-US"/>
               <a:t>Fourth level</a:t>
             </a:r>
           </a:p>
           <a:p>
             <a:pPr lvl="4"/>
             <a:r>
-              <a:rPr lang="en-US" smtClean="0"/>
+              <a:rPr lang="en-US"/>
               <a:t>Fifth level</a:t>
             </a:r>
             <a:endParaRPr lang="en-SG"/>
@@ -775,7 +775,7 @@
           <a:p>
             <a:fld id="{3F801711-7CE4-4FD5-ADAB-BC2E45144997}" type="datetimeFigureOut">
               <a:rPr lang="en-SG" smtClean="0"/>
-              <a:t>11/2/2019</a:t>
+              <a:t>1/3/2019</a:t>
             </a:fld>
             <a:endParaRPr lang="en-SG"/>
           </a:p>
@@ -878,7 +878,7 @@
           </a:lstStyle>
           <a:p>
             <a:r>
-              <a:rPr lang="en-US" smtClean="0"/>
+              <a:rPr lang="en-US"/>
               <a:t>Click to edit Master title style</a:t>
             </a:r>
             <a:endParaRPr lang="en-SG"/>
@@ -998,7 +998,7 @@
           <a:p>
             <a:pPr lvl="0"/>
             <a:r>
-              <a:rPr lang="en-US" smtClean="0"/>
+              <a:rPr lang="en-US"/>
               <a:t>Click to edit Master text styles</a:t>
             </a:r>
           </a:p>
@@ -1021,7 +1021,7 @@
           <a:p>
             <a:fld id="{3F801711-7CE4-4FD5-ADAB-BC2E45144997}" type="datetimeFigureOut">
               <a:rPr lang="en-SG" smtClean="0"/>
-              <a:t>11/2/2019</a:t>
+              <a:t>1/3/2019</a:t>
             </a:fld>
             <a:endParaRPr lang="en-SG"/>
           </a:p>
@@ -1115,7 +1115,7 @@
           <a:lstStyle/>
           <a:p>
             <a:r>
-              <a:rPr lang="en-US" smtClean="0"/>
+              <a:rPr lang="en-US"/>
               <a:t>Click to edit Master title style</a:t>
             </a:r>
             <a:endParaRPr lang="en-SG"/>
@@ -1144,35 +1144,35 @@
           <a:p>
             <a:pPr lvl="0"/>
             <a:r>
-              <a:rPr lang="en-US" smtClean="0"/>
+              <a:rPr lang="en-US"/>
               <a:t>Click to edit Master text styles</a:t>
             </a:r>
           </a:p>
           <a:p>
             <a:pPr lvl="1"/>
             <a:r>
-              <a:rPr lang="en-US" smtClean="0"/>
+              <a:rPr lang="en-US"/>
               <a:t>Second level</a:t>
             </a:r>
           </a:p>
           <a:p>
             <a:pPr lvl="2"/>
             <a:r>
-              <a:rPr lang="en-US" smtClean="0"/>
+              <a:rPr lang="en-US"/>
               <a:t>Third level</a:t>
             </a:r>
           </a:p>
           <a:p>
             <a:pPr lvl="3"/>
             <a:r>
-              <a:rPr lang="en-US" smtClean="0"/>
+              <a:rPr lang="en-US"/>
               <a:t>Fourth level</a:t>
             </a:r>
           </a:p>
           <a:p>
             <a:pPr lvl="4"/>
             <a:r>
-              <a:rPr lang="en-US" smtClean="0"/>
+              <a:rPr lang="en-US"/>
               <a:t>Fifth level</a:t>
             </a:r>
             <a:endParaRPr lang="en-SG"/>
@@ -1201,35 +1201,35 @@
           <a:p>
             <a:pPr lvl="0"/>
             <a:r>
-              <a:rPr lang="en-US" smtClean="0"/>
+              <a:rPr lang="en-US"/>
               <a:t>Click to edit Master text styles</a:t>
             </a:r>
           </a:p>
           <a:p>
             <a:pPr lvl="1"/>
             <a:r>
-              <a:rPr lang="en-US" smtClean="0"/>
+              <a:rPr lang="en-US"/>
               <a:t>Second level</a:t>
             </a:r>
           </a:p>
           <a:p>
             <a:pPr lvl="2"/>
             <a:r>
-              <a:rPr lang="en-US" smtClean="0"/>
+              <a:rPr lang="en-US"/>
               <a:t>Third level</a:t>
             </a:r>
           </a:p>
           <a:p>
             <a:pPr lvl="3"/>
             <a:r>
-              <a:rPr lang="en-US" smtClean="0"/>
+              <a:rPr lang="en-US"/>
               <a:t>Fourth level</a:t>
             </a:r>
           </a:p>
           <a:p>
             <a:pPr lvl="4"/>
             <a:r>
-              <a:rPr lang="en-US" smtClean="0"/>
+              <a:rPr lang="en-US"/>
               <a:t>Fifth level</a:t>
             </a:r>
             <a:endParaRPr lang="en-SG"/>
@@ -1253,7 +1253,7 @@
           <a:p>
             <a:fld id="{3F801711-7CE4-4FD5-ADAB-BC2E45144997}" type="datetimeFigureOut">
               <a:rPr lang="en-SG" smtClean="0"/>
-              <a:t>11/2/2019</a:t>
+              <a:t>1/3/2019</a:t>
             </a:fld>
             <a:endParaRPr lang="en-SG"/>
           </a:p>
@@ -1352,7 +1352,7 @@
           <a:lstStyle/>
           <a:p>
             <a:r>
-              <a:rPr lang="en-US" smtClean="0"/>
+              <a:rPr lang="en-US"/>
               <a:t>Click to edit Master title style</a:t>
             </a:r>
             <a:endParaRPr lang="en-SG"/>
@@ -1418,7 +1418,7 @@
           <a:p>
             <a:pPr lvl="0"/>
             <a:r>
-              <a:rPr lang="en-US" smtClean="0"/>
+              <a:rPr lang="en-US"/>
               <a:t>Click to edit Master text styles</a:t>
             </a:r>
           </a:p>
@@ -1446,35 +1446,35 @@
           <a:p>
             <a:pPr lvl="0"/>
             <a:r>
-              <a:rPr lang="en-US" smtClean="0"/>
+              <a:rPr lang="en-US"/>
               <a:t>Click to edit Master text styles</a:t>
             </a:r>
           </a:p>
           <a:p>
             <a:pPr lvl="1"/>
             <a:r>
-              <a:rPr lang="en-US" smtClean="0"/>
+              <a:rPr lang="en-US"/>
               <a:t>Second level</a:t>
             </a:r>
           </a:p>
           <a:p>
             <a:pPr lvl="2"/>
             <a:r>
-              <a:rPr lang="en-US" smtClean="0"/>
+              <a:rPr lang="en-US"/>
               <a:t>Third level</a:t>
             </a:r>
           </a:p>
           <a:p>
             <a:pPr lvl="3"/>
             <a:r>
-              <a:rPr lang="en-US" smtClean="0"/>
+              <a:rPr lang="en-US"/>
               <a:t>Fourth level</a:t>
             </a:r>
           </a:p>
           <a:p>
             <a:pPr lvl="4"/>
             <a:r>
-              <a:rPr lang="en-US" smtClean="0"/>
+              <a:rPr lang="en-US"/>
               <a:t>Fifth level</a:t>
             </a:r>
             <a:endParaRPr lang="en-SG"/>
@@ -1540,7 +1540,7 @@
           <a:p>
             <a:pPr lvl="0"/>
             <a:r>
-              <a:rPr lang="en-US" smtClean="0"/>
+              <a:rPr lang="en-US"/>
               <a:t>Click to edit Master text styles</a:t>
             </a:r>
           </a:p>
@@ -1568,35 +1568,35 @@
           <a:p>
             <a:pPr lvl="0"/>
             <a:r>
-              <a:rPr lang="en-US" smtClean="0"/>
+              <a:rPr lang="en-US"/>
               <a:t>Click to edit Master text styles</a:t>
             </a:r>
           </a:p>
           <a:p>
             <a:pPr lvl="1"/>
             <a:r>
-              <a:rPr lang="en-US" smtClean="0"/>
+              <a:rPr lang="en-US"/>
               <a:t>Second level</a:t>
             </a:r>
           </a:p>
           <a:p>
             <a:pPr lvl="2"/>
             <a:r>
-              <a:rPr lang="en-US" smtClean="0"/>
+              <a:rPr lang="en-US"/>
               <a:t>Third level</a:t>
             </a:r>
           </a:p>
           <a:p>
             <a:pPr lvl="3"/>
             <a:r>
-              <a:rPr lang="en-US" smtClean="0"/>
+              <a:rPr lang="en-US"/>
               <a:t>Fourth level</a:t>
             </a:r>
           </a:p>
           <a:p>
             <a:pPr lvl="4"/>
             <a:r>
-              <a:rPr lang="en-US" smtClean="0"/>
+              <a:rPr lang="en-US"/>
               <a:t>Fifth level</a:t>
             </a:r>
             <a:endParaRPr lang="en-SG"/>
@@ -1620,7 +1620,7 @@
           <a:p>
             <a:fld id="{3F801711-7CE4-4FD5-ADAB-BC2E45144997}" type="datetimeFigureOut">
               <a:rPr lang="en-SG" smtClean="0"/>
-              <a:t>11/2/2019</a:t>
+              <a:t>1/3/2019</a:t>
             </a:fld>
             <a:endParaRPr lang="en-SG"/>
           </a:p>
@@ -1714,7 +1714,7 @@
           <a:lstStyle/>
           <a:p>
             <a:r>
-              <a:rPr lang="en-US" smtClean="0"/>
+              <a:rPr lang="en-US"/>
               <a:t>Click to edit Master title style</a:t>
             </a:r>
             <a:endParaRPr lang="en-SG"/>
@@ -1738,7 +1738,7 @@
           <a:p>
             <a:fld id="{3F801711-7CE4-4FD5-ADAB-BC2E45144997}" type="datetimeFigureOut">
               <a:rPr lang="en-SG" smtClean="0"/>
-              <a:t>11/2/2019</a:t>
+              <a:t>1/3/2019</a:t>
             </a:fld>
             <a:endParaRPr lang="en-SG"/>
           </a:p>
@@ -1833,7 +1833,7 @@
           <a:p>
             <a:fld id="{3F801711-7CE4-4FD5-ADAB-BC2E45144997}" type="datetimeFigureOut">
               <a:rPr lang="en-SG" smtClean="0"/>
-              <a:t>11/2/2019</a:t>
+              <a:t>1/3/2019</a:t>
             </a:fld>
             <a:endParaRPr lang="en-SG"/>
           </a:p>
@@ -1936,7 +1936,7 @@
           </a:lstStyle>
           <a:p>
             <a:r>
-              <a:rPr lang="en-US" smtClean="0"/>
+              <a:rPr lang="en-US"/>
               <a:t>Click to edit Master title style</a:t>
             </a:r>
             <a:endParaRPr lang="en-SG"/>
@@ -1993,35 +1993,35 @@
           <a:p>
             <a:pPr lvl="0"/>
             <a:r>
-              <a:rPr lang="en-US" smtClean="0"/>
+              <a:rPr lang="en-US"/>
               <a:t>Click to edit Master text styles</a:t>
             </a:r>
           </a:p>
           <a:p>
             <a:pPr lvl="1"/>
             <a:r>
-              <a:rPr lang="en-US" smtClean="0"/>
+              <a:rPr lang="en-US"/>
               <a:t>Second level</a:t>
             </a:r>
           </a:p>
           <a:p>
             <a:pPr lvl="2"/>
             <a:r>
-              <a:rPr lang="en-US" smtClean="0"/>
+              <a:rPr lang="en-US"/>
               <a:t>Third level</a:t>
             </a:r>
           </a:p>
           <a:p>
             <a:pPr lvl="3"/>
             <a:r>
-              <a:rPr lang="en-US" smtClean="0"/>
+              <a:rPr lang="en-US"/>
               <a:t>Fourth level</a:t>
             </a:r>
           </a:p>
           <a:p>
             <a:pPr lvl="4"/>
             <a:r>
-              <a:rPr lang="en-US" smtClean="0"/>
+              <a:rPr lang="en-US"/>
               <a:t>Fifth level</a:t>
             </a:r>
             <a:endParaRPr lang="en-SG"/>
@@ -2087,7 +2087,7 @@
           <a:p>
             <a:pPr lvl="0"/>
             <a:r>
-              <a:rPr lang="en-US" smtClean="0"/>
+              <a:rPr lang="en-US"/>
               <a:t>Click to edit Master text styles</a:t>
             </a:r>
           </a:p>
@@ -2110,7 +2110,7 @@
           <a:p>
             <a:fld id="{3F801711-7CE4-4FD5-ADAB-BC2E45144997}" type="datetimeFigureOut">
               <a:rPr lang="en-SG" smtClean="0"/>
-              <a:t>11/2/2019</a:t>
+              <a:t>1/3/2019</a:t>
             </a:fld>
             <a:endParaRPr lang="en-SG"/>
           </a:p>
@@ -2213,7 +2213,7 @@
           </a:lstStyle>
           <a:p>
             <a:r>
-              <a:rPr lang="en-US" smtClean="0"/>
+              <a:rPr lang="en-US"/>
               <a:t>Click to edit Master title style</a:t>
             </a:r>
             <a:endParaRPr lang="en-SG"/>
@@ -2340,7 +2340,7 @@
           <a:p>
             <a:pPr lvl="0"/>
             <a:r>
-              <a:rPr lang="en-US" smtClean="0"/>
+              <a:rPr lang="en-US"/>
               <a:t>Click to edit Master text styles</a:t>
             </a:r>
           </a:p>
@@ -2363,7 +2363,7 @@
           <a:p>
             <a:fld id="{3F801711-7CE4-4FD5-ADAB-BC2E45144997}" type="datetimeFigureOut">
               <a:rPr lang="en-SG" smtClean="0"/>
-              <a:t>11/2/2019</a:t>
+              <a:t>1/3/2019</a:t>
             </a:fld>
             <a:endParaRPr lang="en-SG"/>
           </a:p>
@@ -2472,7 +2472,7 @@
           <a:lstStyle/>
           <a:p>
             <a:r>
-              <a:rPr lang="en-US" smtClean="0"/>
+              <a:rPr lang="en-US"/>
               <a:t>Click to edit Master title style</a:t>
             </a:r>
             <a:endParaRPr lang="en-SG"/>
@@ -2506,35 +2506,35 @@
           <a:p>
             <a:pPr lvl="0"/>
             <a:r>
-              <a:rPr lang="en-US" smtClean="0"/>
+              <a:rPr lang="en-US"/>
               <a:t>Click to edit Master text styles</a:t>
             </a:r>
           </a:p>
           <a:p>
             <a:pPr lvl="1"/>
             <a:r>
-              <a:rPr lang="en-US" smtClean="0"/>
+              <a:rPr lang="en-US"/>
               <a:t>Second level</a:t>
             </a:r>
           </a:p>
           <a:p>
             <a:pPr lvl="2"/>
             <a:r>
-              <a:rPr lang="en-US" smtClean="0"/>
+              <a:rPr lang="en-US"/>
               <a:t>Third level</a:t>
             </a:r>
           </a:p>
           <a:p>
             <a:pPr lvl="3"/>
             <a:r>
-              <a:rPr lang="en-US" smtClean="0"/>
+              <a:rPr lang="en-US"/>
               <a:t>Fourth level</a:t>
             </a:r>
           </a:p>
           <a:p>
             <a:pPr lvl="4"/>
             <a:r>
-              <a:rPr lang="en-US" smtClean="0"/>
+              <a:rPr lang="en-US"/>
               <a:t>Fifth level</a:t>
             </a:r>
             <a:endParaRPr lang="en-SG"/>
@@ -2576,7 +2576,7 @@
           <a:p>
             <a:fld id="{3F801711-7CE4-4FD5-ADAB-BC2E45144997}" type="datetimeFigureOut">
               <a:rPr lang="en-SG" smtClean="0"/>
-              <a:t>11/2/2019</a:t>
+              <a:t>1/3/2019</a:t>
             </a:fld>
             <a:endParaRPr lang="en-SG"/>
           </a:p>
@@ -3196,7 +3196,7 @@
           <p:cNvPr id="18" name="Group 17">
             <a:extLst>
               <a:ext uri="{FF2B5EF4-FFF2-40B4-BE49-F238E27FC236}">
-                <a16:creationId xmlns:lc="http://schemas.openxmlformats.org/drawingml/2006/lockedCanvas" xmlns:a16="http://schemas.microsoft.com/office/drawing/2014/main" xmlns="" id="{4D1A9014-35C3-5749-9F41-7102C8FD62F7}"/>
+                <a16:creationId xmlns:a16="http://schemas.microsoft.com/office/drawing/2014/main" id="{4D1A9014-35C3-5749-9F41-7102C8FD62F7}"/>
               </a:ext>
             </a:extLst>
           </p:cNvPr>
@@ -3216,7 +3216,7 @@
             <p:cNvPr id="19" name="Graphic 12">
               <a:extLst>
                 <a:ext uri="{FF2B5EF4-FFF2-40B4-BE49-F238E27FC236}">
-                  <a16:creationId xmlns:lc="http://schemas.openxmlformats.org/drawingml/2006/lockedCanvas" xmlns:a16="http://schemas.microsoft.com/office/drawing/2014/main" xmlns="" id="{69FFA574-42BC-FA48-9254-9A5A0D5A593A}"/>
+                  <a16:creationId xmlns:a16="http://schemas.microsoft.com/office/drawing/2014/main" id="{69FFA574-42BC-FA48-9254-9A5A0D5A593A}"/>
                 </a:ext>
               </a:extLst>
             </p:cNvPr>
@@ -3229,7 +3229,7 @@
             <a:blip r:embed="rId4">
               <a:extLst>
                 <a:ext uri="{96DAC541-7B7A-43D3-8B79-37D633B846F1}">
-                  <asvg:svgBlip xmlns:lc="http://schemas.openxmlformats.org/drawingml/2006/lockedCanvas" xmlns:asvg="http://schemas.microsoft.com/office/drawing/2016/SVG/main" xmlns="" r:embed="rId9"/>
+                  <asvg:svgBlip xmlns:asvg="http://schemas.microsoft.com/office/drawing/2016/SVG/main" r:embed="rId5"/>
                 </a:ext>
               </a:extLst>
             </a:blip>
@@ -3252,7 +3252,7 @@
             <p:cNvPr id="20" name="Rectangle 19">
               <a:extLst>
                 <a:ext uri="{FF2B5EF4-FFF2-40B4-BE49-F238E27FC236}">
-                  <a16:creationId xmlns:lc="http://schemas.openxmlformats.org/drawingml/2006/lockedCanvas" xmlns:a16="http://schemas.microsoft.com/office/drawing/2014/main" xmlns="" id="{CE7F7081-419C-2E4F-A999-2923C4338FC0}"/>
+                  <a16:creationId xmlns:a16="http://schemas.microsoft.com/office/drawing/2014/main" id="{CE7F7081-419C-2E4F-A999-2923C4338FC0}"/>
                 </a:ext>
               </a:extLst>
             </p:cNvPr>
@@ -3429,18 +3429,13 @@
           <a:p>
             <a:pPr algn="r"/>
             <a:r>
-              <a:rPr lang="en-US" sz="1200" dirty="0" smtClean="0">
+              <a:rPr lang="en-US" sz="1200" dirty="0">
                 <a:solidFill>
                   <a:srgbClr val="AAB7B8"/>
                 </a:solidFill>
               </a:rPr>
               <a:t>Smartphone</a:t>
             </a:r>
-            <a:endParaRPr lang="en-US" sz="1200" dirty="0">
-              <a:solidFill>
-                <a:srgbClr val="AAB7B8"/>
-              </a:solidFill>
-            </a:endParaRPr>
           </a:p>
         </p:txBody>
       </p:sp>
@@ -3452,8 +3447,8 @@
         </p:nvSpPr>
         <p:spPr>
           <a:xfrm>
-            <a:off x="7573454" y="4669744"/>
-            <a:ext cx="2363339" cy="369332"/>
+            <a:off x="8406223" y="4669016"/>
+            <a:ext cx="569387" cy="369332"/>
           </a:xfrm>
           <a:prstGeom prst="rect">
             <a:avLst/>
@@ -3466,20 +3461,12 @@
           <a:lstStyle/>
           <a:p>
             <a:r>
-              <a:rPr lang="en-US" dirty="0" smtClean="0">
+              <a:rPr lang="en-US" dirty="0" err="1">
                 <a:solidFill>
                   <a:srgbClr val="AAB7B8"/>
                 </a:solidFill>
               </a:rPr>
-              <a:t>Waste </a:t>
-            </a:r>
-            <a:r>
-              <a:rPr lang="en-US" dirty="0" smtClean="0">
-                <a:solidFill>
-                  <a:srgbClr val="AAB7B8"/>
-                </a:solidFill>
-              </a:rPr>
-              <a:t>Recognition App</a:t>
+              <a:t>billy</a:t>
             </a:r>
             <a:endParaRPr lang="en-US" dirty="0">
               <a:solidFill>
@@ -3512,7 +3499,7 @@
           <a:lstStyle/>
           <a:p>
             <a:r>
-              <a:rPr lang="en-US" sz="3200" dirty="0" smtClean="0"/>
+              <a:rPr lang="en-US" sz="3200" dirty="0"/>
               <a:t>High Level Architecture</a:t>
             </a:r>
             <a:endParaRPr lang="en-SG" sz="3200" dirty="0"/>
@@ -3524,7 +3511,7 @@
           <p:cNvPr id="37" name="Group 36">
             <a:extLst>
               <a:ext uri="{FF2B5EF4-FFF2-40B4-BE49-F238E27FC236}">
-                <a16:creationId xmlns:a16="http://schemas.microsoft.com/office/drawing/2014/main" xmlns="" id="{B25BB977-26FC-8E4E-ADED-EE2BF4DFCE53}"/>
+                <a16:creationId xmlns:a16="http://schemas.microsoft.com/office/drawing/2014/main" id="{B25BB977-26FC-8E4E-ADED-EE2BF4DFCE53}"/>
               </a:ext>
             </a:extLst>
           </p:cNvPr>
@@ -3544,7 +3531,7 @@
             <p:cNvPr id="38" name="Graphic 72">
               <a:extLst>
                 <a:ext uri="{FF2B5EF4-FFF2-40B4-BE49-F238E27FC236}">
-                  <a16:creationId xmlns:a16="http://schemas.microsoft.com/office/drawing/2014/main" xmlns="" id="{B9D67978-B2A0-E149-B78F-B2B33EB7CE8C}"/>
+                  <a16:creationId xmlns:a16="http://schemas.microsoft.com/office/drawing/2014/main" id="{B9D67978-B2A0-E149-B78F-B2B33EB7CE8C}"/>
                 </a:ext>
               </a:extLst>
             </p:cNvPr>
@@ -3554,10 +3541,10 @@
             <p:nvPr/>
           </p:nvPicPr>
           <p:blipFill>
-            <a:blip r:embed="rId10">
+            <a:blip r:embed="rId6">
               <a:extLst>
                 <a:ext uri="{96DAC541-7B7A-43D3-8B79-37D633B846F1}">
-                  <asvg:svgBlip xmlns:asvg="http://schemas.microsoft.com/office/drawing/2016/SVG/main" xmlns="" r:embed="rId23"/>
+                  <asvg:svgBlip xmlns:asvg="http://schemas.microsoft.com/office/drawing/2016/SVG/main" r:embed="rId7"/>
                 </a:ext>
               </a:extLst>
             </a:blip>
@@ -3580,7 +3567,7 @@
             <p:cNvPr id="39" name="TextBox 38">
               <a:extLst>
                 <a:ext uri="{FF2B5EF4-FFF2-40B4-BE49-F238E27FC236}">
-                  <a16:creationId xmlns:a16="http://schemas.microsoft.com/office/drawing/2014/main" xmlns="" id="{3B5AE324-79F6-7C48-A698-337FEBECF839}"/>
+                  <a16:creationId xmlns:a16="http://schemas.microsoft.com/office/drawing/2014/main" id="{3B5AE324-79F6-7C48-A698-337FEBECF839}"/>
                 </a:ext>
               </a:extLst>
             </p:cNvPr>
@@ -3621,7 +3608,7 @@
           <p:cNvPr id="42" name="Group 41">
             <a:extLst>
               <a:ext uri="{FF2B5EF4-FFF2-40B4-BE49-F238E27FC236}">
-                <a16:creationId xmlns:a16="http://schemas.microsoft.com/office/drawing/2014/main" xmlns="" id="{B25BB977-26FC-8E4E-ADED-EE2BF4DFCE53}"/>
+                <a16:creationId xmlns:a16="http://schemas.microsoft.com/office/drawing/2014/main" id="{B25BB977-26FC-8E4E-ADED-EE2BF4DFCE53}"/>
               </a:ext>
             </a:extLst>
           </p:cNvPr>
@@ -3641,7 +3628,7 @@
             <p:cNvPr id="44" name="Graphic 72">
               <a:extLst>
                 <a:ext uri="{FF2B5EF4-FFF2-40B4-BE49-F238E27FC236}">
-                  <a16:creationId xmlns:a16="http://schemas.microsoft.com/office/drawing/2014/main" xmlns="" id="{B9D67978-B2A0-E149-B78F-B2B33EB7CE8C}"/>
+                  <a16:creationId xmlns:a16="http://schemas.microsoft.com/office/drawing/2014/main" id="{B9D67978-B2A0-E149-B78F-B2B33EB7CE8C}"/>
                 </a:ext>
               </a:extLst>
             </p:cNvPr>
@@ -3651,10 +3638,10 @@
             <p:nvPr/>
           </p:nvPicPr>
           <p:blipFill>
-            <a:blip r:embed="rId10">
+            <a:blip r:embed="rId6">
               <a:extLst>
                 <a:ext uri="{96DAC541-7B7A-43D3-8B79-37D633B846F1}">
-                  <asvg:svgBlip xmlns:asvg="http://schemas.microsoft.com/office/drawing/2016/SVG/main" xmlns="" r:embed="rId23"/>
+                  <asvg:svgBlip xmlns:asvg="http://schemas.microsoft.com/office/drawing/2016/SVG/main" r:embed="rId7"/>
                 </a:ext>
               </a:extLst>
             </a:blip>
@@ -3677,7 +3664,7 @@
             <p:cNvPr id="45" name="TextBox 44">
               <a:extLst>
                 <a:ext uri="{FF2B5EF4-FFF2-40B4-BE49-F238E27FC236}">
-                  <a16:creationId xmlns:a16="http://schemas.microsoft.com/office/drawing/2014/main" xmlns="" id="{3B5AE324-79F6-7C48-A698-337FEBECF839}"/>
+                  <a16:creationId xmlns:a16="http://schemas.microsoft.com/office/drawing/2014/main" id="{3B5AE324-79F6-7C48-A698-337FEBECF839}"/>
                 </a:ext>
               </a:extLst>
             </p:cNvPr>
@@ -3718,7 +3705,7 @@
           <p:cNvPr id="46" name="Group 45">
             <a:extLst>
               <a:ext uri="{FF2B5EF4-FFF2-40B4-BE49-F238E27FC236}">
-                <a16:creationId xmlns:a16="http://schemas.microsoft.com/office/drawing/2014/main" xmlns="" id="{B25BB977-26FC-8E4E-ADED-EE2BF4DFCE53}"/>
+                <a16:creationId xmlns:a16="http://schemas.microsoft.com/office/drawing/2014/main" id="{B25BB977-26FC-8E4E-ADED-EE2BF4DFCE53}"/>
               </a:ext>
             </a:extLst>
           </p:cNvPr>
@@ -3738,7 +3725,7 @@
             <p:cNvPr id="47" name="Graphic 72">
               <a:extLst>
                 <a:ext uri="{FF2B5EF4-FFF2-40B4-BE49-F238E27FC236}">
-                  <a16:creationId xmlns:a16="http://schemas.microsoft.com/office/drawing/2014/main" xmlns="" id="{B9D67978-B2A0-E149-B78F-B2B33EB7CE8C}"/>
+                  <a16:creationId xmlns:a16="http://schemas.microsoft.com/office/drawing/2014/main" id="{B9D67978-B2A0-E149-B78F-B2B33EB7CE8C}"/>
                 </a:ext>
               </a:extLst>
             </p:cNvPr>
@@ -3748,10 +3735,10 @@
             <p:nvPr/>
           </p:nvPicPr>
           <p:blipFill>
-            <a:blip r:embed="rId10">
+            <a:blip r:embed="rId6">
               <a:extLst>
                 <a:ext uri="{96DAC541-7B7A-43D3-8B79-37D633B846F1}">
-                  <asvg:svgBlip xmlns:asvg="http://schemas.microsoft.com/office/drawing/2016/SVG/main" xmlns="" r:embed="rId23"/>
+                  <asvg:svgBlip xmlns:asvg="http://schemas.microsoft.com/office/drawing/2016/SVG/main" r:embed="rId7"/>
                 </a:ext>
               </a:extLst>
             </a:blip>
@@ -3774,7 +3761,7 @@
             <p:cNvPr id="48" name="TextBox 47">
               <a:extLst>
                 <a:ext uri="{FF2B5EF4-FFF2-40B4-BE49-F238E27FC236}">
-                  <a16:creationId xmlns:a16="http://schemas.microsoft.com/office/drawing/2014/main" xmlns="" id="{3B5AE324-79F6-7C48-A698-337FEBECF839}"/>
+                  <a16:creationId xmlns:a16="http://schemas.microsoft.com/office/drawing/2014/main" id="{3B5AE324-79F6-7C48-A698-337FEBECF839}"/>
                 </a:ext>
               </a:extLst>
             </p:cNvPr>
@@ -3923,7 +3910,7 @@
           <a:p>
             <a:pPr algn="r"/>
             <a:r>
-              <a:rPr lang="en-US" sz="1200" dirty="0" err="1" smtClean="0">
+              <a:rPr lang="en-US" sz="1200" dirty="0" err="1">
                 <a:solidFill>
                   <a:srgbClr val="AAB7B8"/>
                 </a:solidFill>
@@ -3931,18 +3918,13 @@
               <a:t>IoT</a:t>
             </a:r>
             <a:r>
-              <a:rPr lang="en-US" sz="1200" dirty="0" smtClean="0">
+              <a:rPr lang="en-US" sz="1200" dirty="0">
                 <a:solidFill>
                   <a:srgbClr val="AAB7B8"/>
                 </a:solidFill>
               </a:rPr>
               <a:t> Things</a:t>
             </a:r>
-            <a:endParaRPr lang="en-US" sz="1200" dirty="0">
-              <a:solidFill>
-                <a:srgbClr val="AAB7B8"/>
-              </a:solidFill>
-            </a:endParaRPr>
           </a:p>
         </p:txBody>
       </p:sp>
@@ -3951,7 +3933,7 @@
           <p:cNvPr id="53" name="Group 52">
             <a:extLst>
               <a:ext uri="{FF2B5EF4-FFF2-40B4-BE49-F238E27FC236}">
-                <a16:creationId xmlns:a16="http://schemas.microsoft.com/office/drawing/2014/main" xmlns="" id="{A37A451E-2F76-B54D-93C2-14222B80C3BC}"/>
+                <a16:creationId xmlns:a16="http://schemas.microsoft.com/office/drawing/2014/main" id="{A37A451E-2F76-B54D-93C2-14222B80C3BC}"/>
               </a:ext>
             </a:extLst>
           </p:cNvPr>
@@ -3971,7 +3953,7 @@
             <p:cNvPr id="54" name="Freeform 53">
               <a:extLst>
                 <a:ext uri="{FF2B5EF4-FFF2-40B4-BE49-F238E27FC236}">
-                  <a16:creationId xmlns:a16="http://schemas.microsoft.com/office/drawing/2014/main" xmlns="" id="{EAB8C5A1-EC1A-3C40-8555-F90B260BFFCE}"/>
+                  <a16:creationId xmlns:a16="http://schemas.microsoft.com/office/drawing/2014/main" id="{EAB8C5A1-EC1A-3C40-8555-F90B260BFFCE}"/>
                 </a:ext>
               </a:extLst>
             </p:cNvPr>
@@ -4089,7 +4071,7 @@
             <p:cNvPr id="55" name="Straight Arrow Connector 54">
               <a:extLst>
                 <a:ext uri="{FF2B5EF4-FFF2-40B4-BE49-F238E27FC236}">
-                  <a16:creationId xmlns:a16="http://schemas.microsoft.com/office/drawing/2014/main" xmlns="" id="{042114FF-2D34-E944-B1F8-EBAA4F6AA612}"/>
+                  <a16:creationId xmlns:a16="http://schemas.microsoft.com/office/drawing/2014/main" id="{042114FF-2D34-E944-B1F8-EBAA4F6AA612}"/>
                 </a:ext>
               </a:extLst>
             </p:cNvPr>
@@ -4140,13 +4122,6 @@
   <p:clrMapOvr>
     <a:masterClrMapping/>
   </p:clrMapOvr>
-  <p:timing>
-    <p:tnLst>
-      <p:par>
-        <p:cTn id="1" dur="indefinite" restart="never" nodeType="tmRoot"/>
-      </p:par>
-    </p:tnLst>
-  </p:timing>
 </p:sld>
 </file>
 
@@ -4167,217 +4142,12 @@
           <a:chExt cx="0" cy="0"/>
         </a:xfrm>
       </p:grpSpPr>
-      <p:pic>
-        <p:nvPicPr>
-          <p:cNvPr id="5" name="Graphic 59">
-            <a:extLst>
-              <a:ext uri="{FF2B5EF4-FFF2-40B4-BE49-F238E27FC236}">
-                <a16:creationId xmlns="" xmlns:a16="http://schemas.microsoft.com/office/drawing/2014/main" id="{3CC7B2AC-8A77-CE42-9ECF-CBB706CC6310}"/>
-              </a:ext>
-            </a:extLst>
-          </p:cNvPr>
-          <p:cNvPicPr>
-            <a:picLocks noChangeAspect="1"/>
-          </p:cNvPicPr>
-          <p:nvPr/>
-        </p:nvPicPr>
-        <p:blipFill>
-          <a:blip r:embed="rId2">
-            <a:extLst>
-              <a:ext uri="{96DAC541-7B7A-43D3-8B79-37D633B846F1}">
-                <asvg:svgBlip xmlns="" xmlns:asvg="http://schemas.microsoft.com/office/drawing/2016/SVG/main" r:embed="rId3"/>
-              </a:ext>
-            </a:extLst>
-          </a:blip>
-          <a:stretch>
-            <a:fillRect/>
-          </a:stretch>
-        </p:blipFill>
-        <p:spPr>
-          <a:xfrm>
-            <a:off x="7739867" y="2074241"/>
-            <a:ext cx="762000" cy="952500"/>
-          </a:xfrm>
-          <a:prstGeom prst="rect">
-            <a:avLst/>
-          </a:prstGeom>
-        </p:spPr>
-      </p:pic>
-      <p:pic>
-        <p:nvPicPr>
-          <p:cNvPr id="6" name="Graphic 2">
-            <a:extLst>
-              <a:ext uri="{FF2B5EF4-FFF2-40B4-BE49-F238E27FC236}">
-                <a16:creationId xmlns="" xmlns:a16="http://schemas.microsoft.com/office/drawing/2014/main" id="{C94D5BFE-0F9C-114D-8DB9-6E4CBB804793}"/>
-              </a:ext>
-            </a:extLst>
-          </p:cNvPr>
-          <p:cNvPicPr>
-            <a:picLocks noChangeAspect="1"/>
-          </p:cNvPicPr>
-          <p:nvPr/>
-        </p:nvPicPr>
-        <p:blipFill>
-          <a:blip r:embed="rId4">
-            <a:extLst>
-              <a:ext uri="{96DAC541-7B7A-43D3-8B79-37D633B846F1}">
-                <asvg:svgBlip xmlns="" xmlns:asvg="http://schemas.microsoft.com/office/drawing/2016/SVG/main" r:embed="rId50"/>
-              </a:ext>
-            </a:extLst>
-          </a:blip>
-          <a:stretch>
-            <a:fillRect/>
-          </a:stretch>
-        </p:blipFill>
-        <p:spPr>
-          <a:xfrm>
-            <a:off x="5903599" y="1993207"/>
-            <a:ext cx="762000" cy="952500"/>
-          </a:xfrm>
-          <a:prstGeom prst="rect">
-            <a:avLst/>
-          </a:prstGeom>
-        </p:spPr>
-      </p:pic>
-      <p:grpSp>
-        <p:nvGrpSpPr>
-          <p:cNvPr id="10" name="Group 9">
-            <a:extLst>
-              <a:ext uri="{FF2B5EF4-FFF2-40B4-BE49-F238E27FC236}">
-                <a16:creationId xmlns="" xmlns:a16="http://schemas.microsoft.com/office/drawing/2014/main" id="{2B8A640A-8A6B-4441-9A91-F8A63A98C790}"/>
-              </a:ext>
-            </a:extLst>
-          </p:cNvPr>
-          <p:cNvGrpSpPr/>
-          <p:nvPr/>
-        </p:nvGrpSpPr>
-        <p:grpSpPr>
-          <a:xfrm>
-            <a:off x="1601072" y="4270720"/>
-            <a:ext cx="1072750" cy="859842"/>
-            <a:chOff x="537920" y="3353653"/>
-            <a:chExt cx="1072750" cy="859842"/>
-          </a:xfrm>
-        </p:grpSpPr>
-        <p:pic>
-          <p:nvPicPr>
-            <p:cNvPr id="11" name="Graphic 70">
-              <a:extLst>
-                <a:ext uri="{FF2B5EF4-FFF2-40B4-BE49-F238E27FC236}">
-                  <a16:creationId xmlns="" xmlns:a16="http://schemas.microsoft.com/office/drawing/2014/main" id="{63694A3E-3934-524F-8102-217DF11605A8}"/>
-                </a:ext>
-              </a:extLst>
-            </p:cNvPr>
-            <p:cNvPicPr>
-              <a:picLocks noChangeAspect="1"/>
-            </p:cNvPicPr>
-            <p:nvPr/>
-          </p:nvPicPr>
-          <p:blipFill>
-            <a:blip r:embed="rId51">
-              <a:extLst>
-                <a:ext uri="{96DAC541-7B7A-43D3-8B79-37D633B846F1}">
-                  <asvg:svgBlip xmlns="" xmlns:asvg="http://schemas.microsoft.com/office/drawing/2016/SVG/main" r:embed="rId21"/>
-                </a:ext>
-              </a:extLst>
-            </a:blip>
-            <a:stretch>
-              <a:fillRect/>
-            </a:stretch>
-          </p:blipFill>
-          <p:spPr>
-            <a:xfrm>
-              <a:off x="788545" y="3353653"/>
-              <a:ext cx="571500" cy="571500"/>
-            </a:xfrm>
-            <a:prstGeom prst="rect">
-              <a:avLst/>
-            </a:prstGeom>
-          </p:spPr>
-        </p:pic>
-        <p:sp>
-          <p:nvSpPr>
-            <p:cNvPr id="12" name="TextBox 11">
-              <a:extLst>
-                <a:ext uri="{FF2B5EF4-FFF2-40B4-BE49-F238E27FC236}">
-                  <a16:creationId xmlns="" xmlns:a16="http://schemas.microsoft.com/office/drawing/2014/main" id="{15BB269E-595D-C045-B615-D5DC5B8245D3}"/>
-                </a:ext>
-              </a:extLst>
-            </p:cNvPr>
-            <p:cNvSpPr txBox="1"/>
-            <p:nvPr/>
-          </p:nvSpPr>
-          <p:spPr>
-            <a:xfrm>
-              <a:off x="537920" y="3951885"/>
-              <a:ext cx="1072750" cy="261610"/>
-            </a:xfrm>
-            <a:prstGeom prst="rect">
-              <a:avLst/>
-            </a:prstGeom>
-            <a:noFill/>
-          </p:spPr>
-          <p:txBody>
-            <a:bodyPr wrap="square" rtlCol="0">
-              <a:spAutoFit/>
-            </a:bodyPr>
-            <a:lstStyle/>
-            <a:p>
-              <a:pPr algn="ctr"/>
-              <a:r>
-                <a:rPr lang="en-US" sz="1100" dirty="0">
-                  <a:solidFill>
-                    <a:srgbClr val="232F3E"/>
-                  </a:solidFill>
-                </a:rPr>
-                <a:t>Mobile client</a:t>
-              </a:r>
-            </a:p>
-          </p:txBody>
-        </p:sp>
-      </p:grpSp>
-      <p:pic>
-        <p:nvPicPr>
-          <p:cNvPr id="13" name="Graphic 7">
-            <a:extLst>
-              <a:ext uri="{FF2B5EF4-FFF2-40B4-BE49-F238E27FC236}">
-                <a16:creationId xmlns="" xmlns:a16="http://schemas.microsoft.com/office/drawing/2014/main" id="{16B58360-019F-3A46-9AAA-F527DB5B7F28}"/>
-              </a:ext>
-            </a:extLst>
-          </p:cNvPr>
-          <p:cNvPicPr>
-            <a:picLocks noChangeAspect="1"/>
-          </p:cNvPicPr>
-          <p:nvPr/>
-        </p:nvPicPr>
-        <p:blipFill>
-          <a:blip r:embed="rId52">
-            <a:extLst>
-              <a:ext uri="{96DAC541-7B7A-43D3-8B79-37D633B846F1}">
-                <asvg:svgBlip xmlns="" xmlns:asvg="http://schemas.microsoft.com/office/drawing/2016/SVG/main" r:embed="rId5"/>
-              </a:ext>
-            </a:extLst>
-          </a:blip>
-          <a:stretch>
-            <a:fillRect/>
-          </a:stretch>
-        </p:blipFill>
-        <p:spPr>
-          <a:xfrm>
-            <a:off x="4636216" y="1994790"/>
-            <a:ext cx="762000" cy="1092200"/>
-          </a:xfrm>
-          <a:prstGeom prst="rect">
-            <a:avLst/>
-          </a:prstGeom>
-        </p:spPr>
-      </p:pic>
       <p:sp>
         <p:nvSpPr>
           <p:cNvPr id="22" name="Rectangle 21">
             <a:extLst>
               <a:ext uri="{FF2B5EF4-FFF2-40B4-BE49-F238E27FC236}">
-                <a16:creationId xmlns="" xmlns:a16="http://schemas.microsoft.com/office/drawing/2014/main" id="{D0C7BBB3-4D7E-1C44-876C-0D9DD5862326}"/>
+                <a16:creationId xmlns:a16="http://schemas.microsoft.com/office/drawing/2014/main" id="{D0C7BBB3-4D7E-1C44-876C-0D9DD5862326}"/>
               </a:ext>
             </a:extLst>
           </p:cNvPr>
@@ -4427,18 +4197,13 @@
           <a:p>
             <a:pPr algn="ctr"/>
             <a:r>
-              <a:rPr lang="en-US" sz="1000" dirty="0" smtClean="0">
+              <a:rPr lang="en-US" sz="1000" dirty="0">
                 <a:solidFill>
                   <a:srgbClr val="879196"/>
                 </a:solidFill>
               </a:rPr>
               <a:t>Access Control</a:t>
             </a:r>
-            <a:endParaRPr lang="en-US" sz="1000" dirty="0">
-              <a:solidFill>
-                <a:srgbClr val="879196"/>
-              </a:solidFill>
-            </a:endParaRPr>
           </a:p>
         </p:txBody>
       </p:sp>
@@ -4447,7 +4212,7 @@
           <p:cNvPr id="30" name="Straight Arrow Connector 29">
             <a:extLst>
               <a:ext uri="{FF2B5EF4-FFF2-40B4-BE49-F238E27FC236}">
-                <a16:creationId xmlns="" xmlns:a16="http://schemas.microsoft.com/office/drawing/2014/main" id="{21BBC288-5AFD-AB40-A3F3-F427E49EB12C}"/>
+                <a16:creationId xmlns:a16="http://schemas.microsoft.com/office/drawing/2014/main" id="{21BBC288-5AFD-AB40-A3F3-F427E49EB12C}"/>
               </a:ext>
             </a:extLst>
           </p:cNvPr>
@@ -4492,17 +4257,19 @@
           <p:cNvPr id="37" name="Straight Arrow Connector 36">
             <a:extLst>
               <a:ext uri="{FF2B5EF4-FFF2-40B4-BE49-F238E27FC236}">
-                <a16:creationId xmlns="" xmlns:a16="http://schemas.microsoft.com/office/drawing/2014/main" id="{21BBC288-5AFD-AB40-A3F3-F427E49EB12C}"/>
+                <a16:creationId xmlns:a16="http://schemas.microsoft.com/office/drawing/2014/main" id="{21BBC288-5AFD-AB40-A3F3-F427E49EB12C}"/>
               </a:ext>
             </a:extLst>
           </p:cNvPr>
-          <p:cNvCxnSpPr/>
+          <p:cNvCxnSpPr>
+            <a:cxnSpLocks/>
+          </p:cNvCxnSpPr>
           <p:nvPr/>
         </p:nvCxnSpPr>
         <p:spPr>
           <a:xfrm>
             <a:off x="8492342" y="2471040"/>
-            <a:ext cx="812568" cy="0"/>
+            <a:ext cx="1453416" cy="21903"/>
           </a:xfrm>
           <a:prstGeom prst="straightConnector1">
             <a:avLst/>
@@ -4535,7 +4302,7 @@
           <p:cNvPr id="38" name="Straight Arrow Connector 37">
             <a:extLst>
               <a:ext uri="{FF2B5EF4-FFF2-40B4-BE49-F238E27FC236}">
-                <a16:creationId xmlns="" xmlns:a16="http://schemas.microsoft.com/office/drawing/2014/main" id="{21BBC288-5AFD-AB40-A3F3-F427E49EB12C}"/>
+                <a16:creationId xmlns:a16="http://schemas.microsoft.com/office/drawing/2014/main" id="{21BBC288-5AFD-AB40-A3F3-F427E49EB12C}"/>
               </a:ext>
             </a:extLst>
           </p:cNvPr>
@@ -4578,7 +4345,7 @@
           <p:cNvPr id="45" name="Straight Arrow Connector 44">
             <a:extLst>
               <a:ext uri="{FF2B5EF4-FFF2-40B4-BE49-F238E27FC236}">
-                <a16:creationId xmlns="" xmlns:a16="http://schemas.microsoft.com/office/drawing/2014/main" id="{21BBC288-5AFD-AB40-A3F3-F427E49EB12C}"/>
+                <a16:creationId xmlns:a16="http://schemas.microsoft.com/office/drawing/2014/main" id="{21BBC288-5AFD-AB40-A3F3-F427E49EB12C}"/>
               </a:ext>
             </a:extLst>
           </p:cNvPr>
@@ -4621,7 +4388,7 @@
           <p:cNvPr id="47" name="Rectangle 46">
             <a:extLst>
               <a:ext uri="{FF2B5EF4-FFF2-40B4-BE49-F238E27FC236}">
-                <a16:creationId xmlns="" xmlns:a16="http://schemas.microsoft.com/office/drawing/2014/main" id="{D0C7BBB3-4D7E-1C44-876C-0D9DD5862326}"/>
+                <a16:creationId xmlns:a16="http://schemas.microsoft.com/office/drawing/2014/main" id="{D0C7BBB3-4D7E-1C44-876C-0D9DD5862326}"/>
               </a:ext>
             </a:extLst>
           </p:cNvPr>
@@ -4671,18 +4438,13 @@
           <a:p>
             <a:pPr algn="ctr"/>
             <a:r>
-              <a:rPr lang="en-US" sz="1000" dirty="0" smtClean="0">
+              <a:rPr lang="en-US" sz="1000" dirty="0">
                 <a:solidFill>
                   <a:srgbClr val="879196"/>
                 </a:solidFill>
               </a:rPr>
               <a:t>Raw Image</a:t>
             </a:r>
-            <a:endParaRPr lang="en-US" sz="1000" dirty="0">
-              <a:solidFill>
-                <a:srgbClr val="879196"/>
-              </a:solidFill>
-            </a:endParaRPr>
           </a:p>
         </p:txBody>
       </p:sp>
@@ -4691,7 +4453,7 @@
           <p:cNvPr id="66" name="Straight Arrow Connector 65">
             <a:extLst>
               <a:ext uri="{FF2B5EF4-FFF2-40B4-BE49-F238E27FC236}">
-                <a16:creationId xmlns="" xmlns:a16="http://schemas.microsoft.com/office/drawing/2014/main" id="{1B18CFCF-A05D-384A-B644-3CF9919019A7}"/>
+                <a16:creationId xmlns:a16="http://schemas.microsoft.com/office/drawing/2014/main" id="{1B18CFCF-A05D-384A-B644-3CF9919019A7}"/>
               </a:ext>
             </a:extLst>
           </p:cNvPr>
@@ -4729,12 +4491,42 @@
           </a:fontRef>
         </p:style>
       </p:cxnSp>
+      <p:sp>
+        <p:nvSpPr>
+          <p:cNvPr id="54" name="TextBox 53"/>
+          <p:cNvSpPr txBox="1"/>
+          <p:nvPr/>
+        </p:nvSpPr>
+        <p:spPr>
+          <a:xfrm>
+            <a:off x="857250" y="381674"/>
+            <a:ext cx="5238750" cy="584775"/>
+          </a:xfrm>
+          <a:prstGeom prst="rect">
+            <a:avLst/>
+          </a:prstGeom>
+          <a:noFill/>
+        </p:spPr>
+        <p:txBody>
+          <a:bodyPr wrap="square" rtlCol="0">
+            <a:spAutoFit/>
+          </a:bodyPr>
+          <a:lstStyle/>
+          <a:p>
+            <a:r>
+              <a:rPr lang="en-US" sz="3200" dirty="0"/>
+              <a:t>Detail Architecture</a:t>
+            </a:r>
+            <a:endParaRPr lang="en-SG" sz="3200" dirty="0"/>
+          </a:p>
+        </p:txBody>
+      </p:sp>
       <p:grpSp>
         <p:nvGrpSpPr>
-          <p:cNvPr id="86" name="Group 85">
+          <p:cNvPr id="56" name="Group 55">
             <a:extLst>
               <a:ext uri="{FF2B5EF4-FFF2-40B4-BE49-F238E27FC236}">
-                <a16:creationId xmlns="" xmlns:a16="http://schemas.microsoft.com/office/drawing/2014/main" id="{4D1A9014-35C3-5749-9F41-7102C8FD62F7}"/>
+                <a16:creationId xmlns:a16="http://schemas.microsoft.com/office/drawing/2014/main" id="{A37A451E-2F76-B54D-93C2-14222B80C3BC}"/>
               </a:ext>
             </a:extLst>
           </p:cNvPr>
@@ -4743,295 +4535,7 @@
         </p:nvGrpSpPr>
         <p:grpSpPr>
           <a:xfrm>
-            <a:off x="3138919" y="1307920"/>
-            <a:ext cx="7052831" cy="5055558"/>
-            <a:chOff x="7004049" y="3978274"/>
-            <a:chExt cx="7693922" cy="5055558"/>
-          </a:xfrm>
-        </p:grpSpPr>
-        <p:pic>
-          <p:nvPicPr>
-            <p:cNvPr id="87" name="Graphic 12">
-              <a:extLst>
-                <a:ext uri="{FF2B5EF4-FFF2-40B4-BE49-F238E27FC236}">
-                  <a16:creationId xmlns="" xmlns:a16="http://schemas.microsoft.com/office/drawing/2014/main" id="{69FFA574-42BC-FA48-9254-9A5A0D5A593A}"/>
-                </a:ext>
-              </a:extLst>
-            </p:cNvPr>
-            <p:cNvPicPr>
-              <a:picLocks noChangeAspect="1"/>
-            </p:cNvPicPr>
-            <p:nvPr/>
-          </p:nvPicPr>
-          <p:blipFill>
-            <a:blip r:embed="rId53">
-              <a:extLst>
-                <a:ext uri="{96DAC541-7B7A-43D3-8B79-37D633B846F1}">
-                  <asvg:svgBlip xmlns="" xmlns:asvg="http://schemas.microsoft.com/office/drawing/2016/SVG/main" r:embed="rId9"/>
-                </a:ext>
-              </a:extLst>
-            </a:blip>
-            <a:stretch>
-              <a:fillRect/>
-            </a:stretch>
-          </p:blipFill>
-          <p:spPr>
-            <a:xfrm>
-              <a:off x="7004050" y="3978275"/>
-              <a:ext cx="342900" cy="342900"/>
-            </a:xfrm>
-            <a:prstGeom prst="rect">
-              <a:avLst/>
-            </a:prstGeom>
-          </p:spPr>
-        </p:pic>
-        <p:sp>
-          <p:nvSpPr>
-            <p:cNvPr id="88" name="Rectangle 87">
-              <a:extLst>
-                <a:ext uri="{FF2B5EF4-FFF2-40B4-BE49-F238E27FC236}">
-                  <a16:creationId xmlns="" xmlns:a16="http://schemas.microsoft.com/office/drawing/2014/main" id="{CE7F7081-419C-2E4F-A999-2923C4338FC0}"/>
-                </a:ext>
-              </a:extLst>
-            </p:cNvPr>
-            <p:cNvSpPr/>
-            <p:nvPr/>
-          </p:nvSpPr>
-          <p:spPr>
-            <a:xfrm>
-              <a:off x="7004049" y="3978274"/>
-              <a:ext cx="7693922" cy="5055558"/>
-            </a:xfrm>
-            <a:prstGeom prst="rect">
-              <a:avLst/>
-            </a:prstGeom>
-            <a:noFill/>
-            <a:ln w="12700">
-              <a:solidFill>
-                <a:srgbClr val="AAB7B8"/>
-              </a:solidFill>
-            </a:ln>
-          </p:spPr>
-          <p:style>
-            <a:lnRef idx="2">
-              <a:schemeClr val="accent1">
-                <a:shade val="50000"/>
-              </a:schemeClr>
-            </a:lnRef>
-            <a:fillRef idx="1">
-              <a:schemeClr val="accent1"/>
-            </a:fillRef>
-            <a:effectRef idx="0">
-              <a:schemeClr val="accent1"/>
-            </a:effectRef>
-            <a:fontRef idx="minor">
-              <a:schemeClr val="lt1"/>
-            </a:fontRef>
-          </p:style>
-          <p:txBody>
-            <a:bodyPr rot="0" spcFirstLastPara="0" vertOverflow="overflow" horzOverflow="overflow" vert="horz" wrap="square" lIns="457200" tIns="91440" rIns="91440" bIns="45720" numCol="1" spcCol="0" rtlCol="0" fromWordArt="0" anchor="t" anchorCtr="0" forceAA="0" compatLnSpc="1">
-              <a:prstTxWarp prst="textNoShape">
-                <a:avLst/>
-              </a:prstTxWarp>
-              <a:noAutofit/>
-            </a:bodyPr>
-            <a:lstStyle/>
-            <a:p>
-              <a:pPr algn="l"/>
-              <a:r>
-                <a:rPr lang="en-US" sz="1200" dirty="0">
-                  <a:solidFill>
-                    <a:srgbClr val="AAB7B8"/>
-                  </a:solidFill>
-                </a:rPr>
-                <a:t>AWS Cloud</a:t>
-              </a:r>
-            </a:p>
-          </p:txBody>
-        </p:sp>
-      </p:grpSp>
-      <p:pic>
-        <p:nvPicPr>
-          <p:cNvPr id="42" name="Graphic 133">
-            <a:extLst>
-              <a:ext uri="{FF2B5EF4-FFF2-40B4-BE49-F238E27FC236}">
-                <a16:creationId xmlns="" xmlns:a16="http://schemas.microsoft.com/office/drawing/2014/main" id="{EE27D9F0-D80D-DC41-AFDC-F14579CECDFC}"/>
-              </a:ext>
-            </a:extLst>
-          </p:cNvPr>
-          <p:cNvPicPr>
-            <a:picLocks noChangeAspect="1"/>
-          </p:cNvPicPr>
-          <p:nvPr/>
-        </p:nvPicPr>
-        <p:blipFill>
-          <a:blip r:embed="rId54">
-            <a:extLst>
-              <a:ext uri="{96DAC541-7B7A-43D3-8B79-37D633B846F1}">
-                <asvg:svgBlip xmlns="" xmlns:asvg="http://schemas.microsoft.com/office/drawing/2016/SVG/main" r:embed="rId61"/>
-              </a:ext>
-            </a:extLst>
-          </a:blip>
-          <a:stretch>
-            <a:fillRect/>
-          </a:stretch>
-        </p:blipFill>
-        <p:spPr>
-          <a:xfrm>
-            <a:off x="9308933" y="2074241"/>
-            <a:ext cx="762000" cy="1231900"/>
-          </a:xfrm>
-          <a:prstGeom prst="rect">
-            <a:avLst/>
-          </a:prstGeom>
-        </p:spPr>
-      </p:pic>
-      <p:sp>
-        <p:nvSpPr>
-          <p:cNvPr id="54" name="TextBox 53"/>
-          <p:cNvSpPr txBox="1"/>
-          <p:nvPr/>
-        </p:nvSpPr>
-        <p:spPr>
-          <a:xfrm>
-            <a:off x="857250" y="381674"/>
-            <a:ext cx="5238750" cy="584775"/>
-          </a:xfrm>
-          <a:prstGeom prst="rect">
-            <a:avLst/>
-          </a:prstGeom>
-          <a:noFill/>
-        </p:spPr>
-        <p:txBody>
-          <a:bodyPr wrap="square" rtlCol="0">
-            <a:spAutoFit/>
-          </a:bodyPr>
-          <a:lstStyle/>
-          <a:p>
-            <a:r>
-              <a:rPr lang="en-US" sz="3200" dirty="0" smtClean="0"/>
-              <a:t>Detail </a:t>
-            </a:r>
-            <a:r>
-              <a:rPr lang="en-US" sz="3200" dirty="0" smtClean="0"/>
-              <a:t>Architecture</a:t>
-            </a:r>
-            <a:endParaRPr lang="en-SG" sz="3200" dirty="0"/>
-          </a:p>
-        </p:txBody>
-      </p:sp>
-      <p:grpSp>
-        <p:nvGrpSpPr>
-          <p:cNvPr id="50" name="Group 49">
-            <a:extLst>
-              <a:ext uri="{FF2B5EF4-FFF2-40B4-BE49-F238E27FC236}">
-                <a16:creationId xmlns:a16="http://schemas.microsoft.com/office/drawing/2014/main" xmlns="" id="{B25BB977-26FC-8E4E-ADED-EE2BF4DFCE53}"/>
-              </a:ext>
-            </a:extLst>
-          </p:cNvPr>
-          <p:cNvGrpSpPr/>
-          <p:nvPr/>
-        </p:nvGrpSpPr>
-        <p:grpSpPr>
-          <a:xfrm>
-            <a:off x="1601072" y="5288010"/>
-            <a:ext cx="1072750" cy="879676"/>
-            <a:chOff x="2738805" y="3413175"/>
-            <a:chExt cx="1072750" cy="879676"/>
-          </a:xfrm>
-        </p:grpSpPr>
-        <p:pic>
-          <p:nvPicPr>
-            <p:cNvPr id="52" name="Graphic 72">
-              <a:extLst>
-                <a:ext uri="{FF2B5EF4-FFF2-40B4-BE49-F238E27FC236}">
-                  <a16:creationId xmlns:a16="http://schemas.microsoft.com/office/drawing/2014/main" xmlns="" id="{B9D67978-B2A0-E149-B78F-B2B33EB7CE8C}"/>
-                </a:ext>
-              </a:extLst>
-            </p:cNvPr>
-            <p:cNvPicPr>
-              <a:picLocks noChangeAspect="1"/>
-            </p:cNvPicPr>
-            <p:nvPr/>
-          </p:nvPicPr>
-          <p:blipFill>
-            <a:blip r:embed="rId62">
-              <a:extLst>
-                <a:ext uri="{96DAC541-7B7A-43D3-8B79-37D633B846F1}">
-                  <asvg:svgBlip xmlns:asvg="http://schemas.microsoft.com/office/drawing/2016/SVG/main" xmlns="" r:embed="rId23"/>
-                </a:ext>
-              </a:extLst>
-            </a:blip>
-            <a:stretch>
-              <a:fillRect/>
-            </a:stretch>
-          </p:blipFill>
-          <p:spPr>
-            <a:xfrm>
-              <a:off x="2989430" y="3413175"/>
-              <a:ext cx="571500" cy="571500"/>
-            </a:xfrm>
-            <a:prstGeom prst="rect">
-              <a:avLst/>
-            </a:prstGeom>
-          </p:spPr>
-        </p:pic>
-        <p:sp>
-          <p:nvSpPr>
-            <p:cNvPr id="55" name="TextBox 54">
-              <a:extLst>
-                <a:ext uri="{FF2B5EF4-FFF2-40B4-BE49-F238E27FC236}">
-                  <a16:creationId xmlns:a16="http://schemas.microsoft.com/office/drawing/2014/main" xmlns="" id="{3B5AE324-79F6-7C48-A698-337FEBECF839}"/>
-                </a:ext>
-              </a:extLst>
-            </p:cNvPr>
-            <p:cNvSpPr txBox="1"/>
-            <p:nvPr/>
-          </p:nvSpPr>
-          <p:spPr>
-            <a:xfrm>
-              <a:off x="2738805" y="4031241"/>
-              <a:ext cx="1072750" cy="261610"/>
-            </a:xfrm>
-            <a:prstGeom prst="rect">
-              <a:avLst/>
-            </a:prstGeom>
-            <a:noFill/>
-          </p:spPr>
-          <p:txBody>
-            <a:bodyPr wrap="square" rtlCol="0">
-              <a:spAutoFit/>
-            </a:bodyPr>
-            <a:lstStyle/>
-            <a:p>
-              <a:pPr algn="ctr"/>
-              <a:r>
-                <a:rPr lang="en-US" sz="1100" dirty="0">
-                  <a:solidFill>
-                    <a:srgbClr val="232F3E"/>
-                  </a:solidFill>
-                </a:rPr>
-                <a:t>Camera</a:t>
-              </a:r>
-            </a:p>
-          </p:txBody>
-        </p:sp>
-      </p:grpSp>
-      <p:grpSp>
-        <p:nvGrpSpPr>
-          <p:cNvPr id="56" name="Group 55">
-            <a:extLst>
-              <a:ext uri="{FF2B5EF4-FFF2-40B4-BE49-F238E27FC236}">
-                <a16:creationId xmlns:a16="http://schemas.microsoft.com/office/drawing/2014/main" xmlns="" id="{A37A451E-2F76-B54D-93C2-14222B80C3BC}"/>
-              </a:ext>
-            </a:extLst>
-          </p:cNvPr>
-          <p:cNvGrpSpPr/>
-          <p:nvPr/>
-        </p:nvGrpSpPr>
-        <p:grpSpPr>
-          <a:xfrm>
-            <a:off x="2435819" y="4610419"/>
+            <a:off x="2427612" y="4521788"/>
             <a:ext cx="1928227" cy="996531"/>
             <a:chOff x="8228637" y="4520838"/>
             <a:chExt cx="1639961" cy="399245"/>
@@ -5042,7 +4546,7 @@
             <p:cNvPr id="57" name="Freeform 56">
               <a:extLst>
                 <a:ext uri="{FF2B5EF4-FFF2-40B4-BE49-F238E27FC236}">
-                  <a16:creationId xmlns:a16="http://schemas.microsoft.com/office/drawing/2014/main" xmlns="" id="{EAB8C5A1-EC1A-3C40-8555-F90B260BFFCE}"/>
+                  <a16:creationId xmlns:a16="http://schemas.microsoft.com/office/drawing/2014/main" id="{EAB8C5A1-EC1A-3C40-8555-F90B260BFFCE}"/>
                 </a:ext>
               </a:extLst>
             </p:cNvPr>
@@ -5160,7 +4664,7 @@
             <p:cNvPr id="62" name="Straight Arrow Connector 61">
               <a:extLst>
                 <a:ext uri="{FF2B5EF4-FFF2-40B4-BE49-F238E27FC236}">
-                  <a16:creationId xmlns:a16="http://schemas.microsoft.com/office/drawing/2014/main" xmlns="" id="{042114FF-2D34-E944-B1F8-EBAA4F6AA612}"/>
+                  <a16:creationId xmlns:a16="http://schemas.microsoft.com/office/drawing/2014/main" id="{042114FF-2D34-E944-B1F8-EBAA4F6AA612}"/>
                 </a:ext>
               </a:extLst>
             </p:cNvPr>
@@ -5206,7 +4710,7 @@
           <p:cNvPr id="63" name="Straight Arrow Connector 62">
             <a:extLst>
               <a:ext uri="{FF2B5EF4-FFF2-40B4-BE49-F238E27FC236}">
-                <a16:creationId xmlns="" xmlns:a16="http://schemas.microsoft.com/office/drawing/2014/main" id="{1B18CFCF-A05D-384A-B644-3CF9919019A7}"/>
+                <a16:creationId xmlns:a16="http://schemas.microsoft.com/office/drawing/2014/main" id="{1B18CFCF-A05D-384A-B644-3CF9919019A7}"/>
               </a:ext>
             </a:extLst>
           </p:cNvPr>
@@ -5251,7 +4755,7 @@
           <p:cNvPr id="64" name="Rectangle 63">
             <a:extLst>
               <a:ext uri="{FF2B5EF4-FFF2-40B4-BE49-F238E27FC236}">
-                <a16:creationId xmlns="" xmlns:a16="http://schemas.microsoft.com/office/drawing/2014/main" id="{D0C7BBB3-4D7E-1C44-876C-0D9DD5862326}"/>
+                <a16:creationId xmlns:a16="http://schemas.microsoft.com/office/drawing/2014/main" id="{D0C7BBB3-4D7E-1C44-876C-0D9DD5862326}"/>
               </a:ext>
             </a:extLst>
           </p:cNvPr>
@@ -5301,18 +4805,13 @@
           <a:p>
             <a:pPr algn="r"/>
             <a:r>
-              <a:rPr lang="en-US" sz="1000" dirty="0" smtClean="0">
+              <a:rPr lang="en-US" sz="1000" dirty="0">
                 <a:solidFill>
                   <a:srgbClr val="879196"/>
                 </a:solidFill>
               </a:rPr>
               <a:t>Amazon ECS</a:t>
             </a:r>
-            <a:endParaRPr lang="en-US" sz="1000" dirty="0">
-              <a:solidFill>
-                <a:srgbClr val="879196"/>
-              </a:solidFill>
-            </a:endParaRPr>
           </a:p>
         </p:txBody>
       </p:sp>
@@ -5321,7 +4820,7 @@
           <p:cNvPr id="65" name="Group 64">
             <a:extLst>
               <a:ext uri="{FF2B5EF4-FFF2-40B4-BE49-F238E27FC236}">
-                <a16:creationId xmlns:a16="http://schemas.microsoft.com/office/drawing/2014/main" xmlns="" id="{D6F8EEB1-6D7C-8B4C-80EC-9AC09A0969AA}"/>
+                <a16:creationId xmlns:a16="http://schemas.microsoft.com/office/drawing/2014/main" id="{D6F8EEB1-6D7C-8B4C-80EC-9AC09A0969AA}"/>
               </a:ext>
             </a:extLst>
           </p:cNvPr>
@@ -5330,7 +4829,7 @@
         </p:nvGrpSpPr>
         <p:grpSpPr>
           <a:xfrm>
-            <a:off x="4517442" y="4189188"/>
+            <a:off x="4463918" y="4838417"/>
             <a:ext cx="1072750" cy="1045053"/>
             <a:chOff x="5561009" y="5340770"/>
             <a:chExt cx="1072750" cy="1045053"/>
@@ -5341,7 +4840,7 @@
             <p:cNvPr id="67" name="Graphic 98">
               <a:extLst>
                 <a:ext uri="{FF2B5EF4-FFF2-40B4-BE49-F238E27FC236}">
-                  <a16:creationId xmlns:a16="http://schemas.microsoft.com/office/drawing/2014/main" xmlns="" id="{2E465156-B19E-5C4E-81BB-8793FDA6B2D6}"/>
+                  <a16:creationId xmlns:a16="http://schemas.microsoft.com/office/drawing/2014/main" id="{2E465156-B19E-5C4E-81BB-8793FDA6B2D6}"/>
                 </a:ext>
               </a:extLst>
             </p:cNvPr>
@@ -5351,10 +4850,10 @@
             <p:nvPr/>
           </p:nvPicPr>
           <p:blipFill>
-            <a:blip r:embed="rId63">
+            <a:blip r:embed="rId2">
               <a:extLst>
                 <a:ext uri="{96DAC541-7B7A-43D3-8B79-37D633B846F1}">
-                  <asvg:svgBlip xmlns:asvg="http://schemas.microsoft.com/office/drawing/2016/SVG/main" xmlns="" r:embed="rId35"/>
+                  <asvg:svgBlip xmlns:asvg="http://schemas.microsoft.com/office/drawing/2016/SVG/main" r:embed="rId3"/>
                 </a:ext>
               </a:extLst>
             </a:blip>
@@ -5377,7 +4876,7 @@
             <p:cNvPr id="68" name="TextBox 67">
               <a:extLst>
                 <a:ext uri="{FF2B5EF4-FFF2-40B4-BE49-F238E27FC236}">
-                  <a16:creationId xmlns:a16="http://schemas.microsoft.com/office/drawing/2014/main" xmlns="" id="{1E0F1890-594D-F242-A44D-F3DF63E17B2D}"/>
+                  <a16:creationId xmlns:a16="http://schemas.microsoft.com/office/drawing/2014/main" id="{1E0F1890-594D-F242-A44D-F3DF63E17B2D}"/>
                 </a:ext>
               </a:extLst>
             </p:cNvPr>
@@ -5402,28 +4901,23 @@
             <a:p>
               <a:pPr algn="ctr"/>
               <a:r>
-                <a:rPr lang="en-US" sz="1100" dirty="0" smtClean="0">
+                <a:rPr lang="en-US" sz="1100" dirty="0">
                   <a:solidFill>
                     <a:srgbClr val="232F3E"/>
                   </a:solidFill>
                 </a:rPr>
                 <a:t>Application Container</a:t>
               </a:r>
-              <a:endParaRPr lang="en-US" sz="1100" dirty="0">
-                <a:solidFill>
-                  <a:srgbClr val="232F3E"/>
-                </a:solidFill>
-              </a:endParaRPr>
             </a:p>
           </p:txBody>
         </p:sp>
       </p:grpSp>
       <p:grpSp>
         <p:nvGrpSpPr>
-          <p:cNvPr id="69" name="Group 68">
+          <p:cNvPr id="72" name="Group 71">
             <a:extLst>
               <a:ext uri="{FF2B5EF4-FFF2-40B4-BE49-F238E27FC236}">
-                <a16:creationId xmlns:a16="http://schemas.microsoft.com/office/drawing/2014/main" xmlns="" id="{D6F8EEB1-6D7C-8B4C-80EC-9AC09A0969AA}"/>
+                <a16:creationId xmlns:a16="http://schemas.microsoft.com/office/drawing/2014/main" id="{95B7C7BB-E619-8B47-9FE3-A31A11933F5B}"/>
               </a:ext>
             </a:extLst>
           </p:cNvPr>
@@ -5432,18 +4926,18 @@
         </p:nvGrpSpPr>
         <p:grpSpPr>
           <a:xfrm>
-            <a:off x="4518754" y="5203387"/>
-            <a:ext cx="1072750" cy="1045053"/>
-            <a:chOff x="5561009" y="5340770"/>
-            <a:chExt cx="1072750" cy="1045053"/>
+            <a:off x="5830515" y="4819868"/>
+            <a:ext cx="1072750" cy="875776"/>
+            <a:chOff x="7194936" y="5340770"/>
+            <a:chExt cx="1072750" cy="875776"/>
           </a:xfrm>
         </p:grpSpPr>
         <p:pic>
           <p:nvPicPr>
-            <p:cNvPr id="70" name="Graphic 98">
+            <p:cNvPr id="73" name="Graphic 100">
               <a:extLst>
                 <a:ext uri="{FF2B5EF4-FFF2-40B4-BE49-F238E27FC236}">
-                  <a16:creationId xmlns:a16="http://schemas.microsoft.com/office/drawing/2014/main" xmlns="" id="{2E465156-B19E-5C4E-81BB-8793FDA6B2D6}"/>
+                  <a16:creationId xmlns:a16="http://schemas.microsoft.com/office/drawing/2014/main" id="{6F7AF22A-EDC2-144F-B0F1-449A0BCE9B7C}"/>
                 </a:ext>
               </a:extLst>
             </p:cNvPr>
@@ -5453,112 +4947,10 @@
             <p:nvPr/>
           </p:nvPicPr>
           <p:blipFill>
-            <a:blip r:embed="rId63">
+            <a:blip r:embed="rId4">
               <a:extLst>
                 <a:ext uri="{96DAC541-7B7A-43D3-8B79-37D633B846F1}">
-                  <asvg:svgBlip xmlns:asvg="http://schemas.microsoft.com/office/drawing/2016/SVG/main" xmlns="" r:embed="rId35"/>
-                </a:ext>
-              </a:extLst>
-            </a:blip>
-            <a:stretch>
-              <a:fillRect/>
-            </a:stretch>
-          </p:blipFill>
-          <p:spPr>
-            <a:xfrm>
-              <a:off x="5811634" y="5340770"/>
-              <a:ext cx="571500" cy="571500"/>
-            </a:xfrm>
-            <a:prstGeom prst="rect">
-              <a:avLst/>
-            </a:prstGeom>
-          </p:spPr>
-        </p:pic>
-        <p:sp>
-          <p:nvSpPr>
-            <p:cNvPr id="71" name="TextBox 70">
-              <a:extLst>
-                <a:ext uri="{FF2B5EF4-FFF2-40B4-BE49-F238E27FC236}">
-                  <a16:creationId xmlns:a16="http://schemas.microsoft.com/office/drawing/2014/main" xmlns="" id="{1E0F1890-594D-F242-A44D-F3DF63E17B2D}"/>
-                </a:ext>
-              </a:extLst>
-            </p:cNvPr>
-            <p:cNvSpPr txBox="1"/>
-            <p:nvPr/>
-          </p:nvSpPr>
-          <p:spPr>
-            <a:xfrm>
-              <a:off x="5561009" y="5954936"/>
-              <a:ext cx="1072750" cy="430887"/>
-            </a:xfrm>
-            <a:prstGeom prst="rect">
-              <a:avLst/>
-            </a:prstGeom>
-            <a:noFill/>
-          </p:spPr>
-          <p:txBody>
-            <a:bodyPr wrap="square" rtlCol="0">
-              <a:spAutoFit/>
-            </a:bodyPr>
-            <a:lstStyle/>
-            <a:p>
-              <a:pPr algn="ctr"/>
-              <a:r>
-                <a:rPr lang="en-US" sz="1100" dirty="0" smtClean="0">
-                  <a:solidFill>
-                    <a:srgbClr val="232F3E"/>
-                  </a:solidFill>
-                </a:rPr>
-                <a:t>Application Container</a:t>
-              </a:r>
-              <a:endParaRPr lang="en-US" sz="1100" dirty="0">
-                <a:solidFill>
-                  <a:srgbClr val="232F3E"/>
-                </a:solidFill>
-              </a:endParaRPr>
-            </a:p>
-          </p:txBody>
-        </p:sp>
-      </p:grpSp>
-      <p:grpSp>
-        <p:nvGrpSpPr>
-          <p:cNvPr id="72" name="Group 71">
-            <a:extLst>
-              <a:ext uri="{FF2B5EF4-FFF2-40B4-BE49-F238E27FC236}">
-                <a16:creationId xmlns:a16="http://schemas.microsoft.com/office/drawing/2014/main" xmlns="" id="{95B7C7BB-E619-8B47-9FE3-A31A11933F5B}"/>
-              </a:ext>
-            </a:extLst>
-          </p:cNvPr>
-          <p:cNvGrpSpPr/>
-          <p:nvPr/>
-        </p:nvGrpSpPr>
-        <p:grpSpPr>
-          <a:xfrm>
-            <a:off x="5872663" y="4738380"/>
-            <a:ext cx="1072750" cy="1045053"/>
-            <a:chOff x="7194936" y="5340770"/>
-            <a:chExt cx="1072750" cy="1045053"/>
-          </a:xfrm>
-        </p:grpSpPr>
-        <p:pic>
-          <p:nvPicPr>
-            <p:cNvPr id="73" name="Graphic 100">
-              <a:extLst>
-                <a:ext uri="{FF2B5EF4-FFF2-40B4-BE49-F238E27FC236}">
-                  <a16:creationId xmlns:a16="http://schemas.microsoft.com/office/drawing/2014/main" xmlns="" id="{6F7AF22A-EDC2-144F-B0F1-449A0BCE9B7C}"/>
-                </a:ext>
-              </a:extLst>
-            </p:cNvPr>
-            <p:cNvPicPr>
-              <a:picLocks noChangeAspect="1"/>
-            </p:cNvPicPr>
-            <p:nvPr/>
-          </p:nvPicPr>
-          <p:blipFill>
-            <a:blip r:embed="rId64">
-              <a:extLst>
-                <a:ext uri="{96DAC541-7B7A-43D3-8B79-37D633B846F1}">
-                  <asvg:svgBlip xmlns:asvg="http://schemas.microsoft.com/office/drawing/2016/SVG/main" xmlns="" r:embed="rId37"/>
+                  <asvg:svgBlip xmlns:asvg="http://schemas.microsoft.com/office/drawing/2016/SVG/main" r:embed="rId5"/>
                 </a:ext>
               </a:extLst>
             </a:blip>
@@ -5581,7 +4973,7 @@
             <p:cNvPr id="74" name="TextBox 73">
               <a:extLst>
                 <a:ext uri="{FF2B5EF4-FFF2-40B4-BE49-F238E27FC236}">
-                  <a16:creationId xmlns:a16="http://schemas.microsoft.com/office/drawing/2014/main" xmlns="" id="{2E7C8DBF-198D-2E41-B6DC-2A828CE6BCE0}"/>
+                  <a16:creationId xmlns:a16="http://schemas.microsoft.com/office/drawing/2014/main" id="{2E7C8DBF-198D-2E41-B6DC-2A828CE6BCE0}"/>
                 </a:ext>
               </a:extLst>
             </p:cNvPr>
@@ -5591,7 +4983,7 @@
           <p:spPr>
             <a:xfrm>
               <a:off x="7194936" y="5954936"/>
-              <a:ext cx="1072750" cy="430887"/>
+              <a:ext cx="1072750" cy="261610"/>
             </a:xfrm>
             <a:prstGeom prst="rect">
               <a:avLst/>
@@ -5606,26 +4998,13 @@
             <a:p>
               <a:pPr algn="ctr"/>
               <a:r>
-                <a:rPr lang="en-US" sz="1100" dirty="0" err="1" smtClean="0">
+                <a:rPr lang="en-US" sz="1100" dirty="0">
                   <a:solidFill>
                     <a:srgbClr val="232F3E"/>
                   </a:solidFill>
                 </a:rPr>
                 <a:t>Redis</a:t>
               </a:r>
-              <a:r>
-                <a:rPr lang="en-US" sz="1100" dirty="0" smtClean="0">
-                  <a:solidFill>
-                    <a:srgbClr val="232F3E"/>
-                  </a:solidFill>
-                </a:rPr>
-                <a:t> Container</a:t>
-              </a:r>
-              <a:endParaRPr lang="en-US" sz="1100" dirty="0">
-                <a:solidFill>
-                  <a:srgbClr val="232F3E"/>
-                </a:solidFill>
-              </a:endParaRPr>
             </a:p>
           </p:txBody>
         </p:sp>
@@ -5635,17 +5014,19 @@
           <p:cNvPr id="75" name="Straight Arrow Connector 74">
             <a:extLst>
               <a:ext uri="{FF2B5EF4-FFF2-40B4-BE49-F238E27FC236}">
-                <a16:creationId xmlns="" xmlns:a16="http://schemas.microsoft.com/office/drawing/2014/main" id="{21BBC288-5AFD-AB40-A3F3-F427E49EB12C}"/>
+                <a16:creationId xmlns:a16="http://schemas.microsoft.com/office/drawing/2014/main" id="{21BBC288-5AFD-AB40-A3F3-F427E49EB12C}"/>
               </a:ext>
             </a:extLst>
           </p:cNvPr>
-          <p:cNvCxnSpPr/>
+          <p:cNvCxnSpPr>
+            <a:cxnSpLocks/>
+          </p:cNvCxnSpPr>
           <p:nvPr/>
         </p:nvCxnSpPr>
         <p:spPr>
           <a:xfrm flipH="1" flipV="1">
-            <a:off x="6846451" y="4988795"/>
-            <a:ext cx="1274415" cy="8599"/>
+            <a:off x="6846453" y="4988797"/>
+            <a:ext cx="1092496" cy="10960"/>
           </a:xfrm>
           <a:prstGeom prst="straightConnector1">
             <a:avLst/>
@@ -5678,17 +5059,19 @@
           <p:cNvPr id="76" name="Straight Arrow Connector 75">
             <a:extLst>
               <a:ext uri="{FF2B5EF4-FFF2-40B4-BE49-F238E27FC236}">
-                <a16:creationId xmlns="" xmlns:a16="http://schemas.microsoft.com/office/drawing/2014/main" id="{1B18CFCF-A05D-384A-B644-3CF9919019A7}"/>
+                <a16:creationId xmlns:a16="http://schemas.microsoft.com/office/drawing/2014/main" id="{1B18CFCF-A05D-384A-B644-3CF9919019A7}"/>
               </a:ext>
             </a:extLst>
           </p:cNvPr>
-          <p:cNvCxnSpPr/>
+          <p:cNvCxnSpPr>
+            <a:cxnSpLocks/>
+          </p:cNvCxnSpPr>
           <p:nvPr/>
         </p:nvCxnSpPr>
         <p:spPr>
           <a:xfrm flipH="1">
-            <a:off x="8118946" y="3032745"/>
-            <a:ext cx="3011" cy="1964649"/>
+            <a:off x="7929579" y="3024146"/>
+            <a:ext cx="15102" cy="1975611"/>
           </a:xfrm>
           <a:prstGeom prst="straightConnector1">
             <a:avLst/>
@@ -5716,207 +5099,929 @@
           </a:fontRef>
         </p:style>
       </p:cxnSp>
-      <p:grpSp>
-        <p:nvGrpSpPr>
-          <p:cNvPr id="78" name="Group 77">
+      <p:pic>
+        <p:nvPicPr>
+          <p:cNvPr id="44" name="Graphic 9">
             <a:extLst>
               <a:ext uri="{FF2B5EF4-FFF2-40B4-BE49-F238E27FC236}">
-                <a16:creationId xmlns:a16="http://schemas.microsoft.com/office/drawing/2014/main" xmlns="" id="{A37A451E-2F76-B54D-93C2-14222B80C3BC}"/>
+                <a16:creationId xmlns:a16="http://schemas.microsoft.com/office/drawing/2014/main" id="{500C2653-A06A-354F-97A7-93DD33AFA97B}"/>
               </a:ext>
             </a:extLst>
           </p:cNvPr>
-          <p:cNvGrpSpPr/>
+          <p:cNvPicPr>
+            <a:picLocks noChangeAspect="1"/>
+          </p:cNvPicPr>
           <p:nvPr/>
-        </p:nvGrpSpPr>
-        <p:grpSpPr>
-          <a:xfrm>
-            <a:off x="5339568" y="4535588"/>
-            <a:ext cx="774908" cy="934192"/>
-            <a:chOff x="8228637" y="4520838"/>
-            <a:chExt cx="1639961" cy="399245"/>
-          </a:xfrm>
-        </p:grpSpPr>
-        <p:sp>
-          <p:nvSpPr>
-            <p:cNvPr id="79" name="Freeform 78">
-              <a:extLst>
-                <a:ext uri="{FF2B5EF4-FFF2-40B4-BE49-F238E27FC236}">
-                  <a16:creationId xmlns:a16="http://schemas.microsoft.com/office/drawing/2014/main" xmlns="" id="{EAB8C5A1-EC1A-3C40-8555-F90B260BFFCE}"/>
-                </a:ext>
-              </a:extLst>
-            </p:cNvPr>
-            <p:cNvSpPr/>
-            <p:nvPr/>
-          </p:nvSpPr>
-          <p:spPr>
-            <a:xfrm>
-              <a:off x="8228637" y="4520838"/>
-              <a:ext cx="915363" cy="399245"/>
-            </a:xfrm>
-            <a:custGeom>
+        </p:nvPicPr>
+        <p:blipFill>
+          <a:blip r:embed="rId6">
+            <a:extLst>
+              <a:ext uri="{96DAC541-7B7A-43D3-8B79-37D633B846F1}">
+                <asvg:svgBlip xmlns:asvg="http://schemas.microsoft.com/office/drawing/2016/SVG/main" r:embed="rId7"/>
+              </a:ext>
+            </a:extLst>
+          </a:blip>
+          <a:stretch>
+            <a:fillRect/>
+          </a:stretch>
+        </p:blipFill>
+        <p:spPr>
+          <a:xfrm>
+            <a:off x="3960131" y="1355362"/>
+            <a:ext cx="330200" cy="330200"/>
+          </a:xfrm>
+          <a:prstGeom prst="rect">
+            <a:avLst/>
+          </a:prstGeom>
+        </p:spPr>
+      </p:pic>
+      <p:sp>
+        <p:nvSpPr>
+          <p:cNvPr id="46" name="Rectangle 45">
+            <a:extLst>
+              <a:ext uri="{FF2B5EF4-FFF2-40B4-BE49-F238E27FC236}">
+                <a16:creationId xmlns:a16="http://schemas.microsoft.com/office/drawing/2014/main" id="{4C5FA3DF-AAD9-2A40-8928-45DEB6D047C9}"/>
+              </a:ext>
+            </a:extLst>
+          </p:cNvPr>
+          <p:cNvSpPr/>
+          <p:nvPr/>
+        </p:nvSpPr>
+        <p:spPr>
+          <a:xfrm>
+            <a:off x="3960131" y="1355361"/>
+            <a:ext cx="7499230" cy="5187869"/>
+          </a:xfrm>
+          <a:prstGeom prst="rect">
+            <a:avLst/>
+          </a:prstGeom>
+          <a:noFill/>
+          <a:ln w="12700" cap="flat" cmpd="sng" algn="ctr">
+            <a:solidFill>
+              <a:srgbClr val="232F3D"/>
+            </a:solidFill>
+            <a:prstDash val="solid"/>
+            <a:miter lim="800000"/>
+          </a:ln>
+          <a:effectLst/>
+        </p:spPr>
+        <p:txBody>
+          <a:bodyPr rot="0" spcFirstLastPara="0" vert="horz" wrap="square" lIns="457200" tIns="91440" rIns="91440" bIns="45720" numCol="1" spcCol="0" rtlCol="0" fromWordArt="0" anchor="t" anchorCtr="0" forceAA="0" compatLnSpc="1">
+            <a:prstTxWarp prst="textNoShape">
               <a:avLst/>
-              <a:gdLst>
-                <a:gd name="connsiteX0" fmla="*/ 38637 w 914400"/>
-                <a:gd name="connsiteY0" fmla="*/ 0 h 399245"/>
-                <a:gd name="connsiteX1" fmla="*/ 914400 w 914400"/>
-                <a:gd name="connsiteY1" fmla="*/ 0 h 399245"/>
-                <a:gd name="connsiteX2" fmla="*/ 914400 w 914400"/>
-                <a:gd name="connsiteY2" fmla="*/ 399245 h 399245"/>
-                <a:gd name="connsiteX3" fmla="*/ 0 w 914400"/>
-                <a:gd name="connsiteY3" fmla="*/ 399245 h 399245"/>
-                <a:gd name="connsiteX0" fmla="*/ 9837 w 914400"/>
-                <a:gd name="connsiteY0" fmla="*/ 3600 h 399245"/>
-                <a:gd name="connsiteX1" fmla="*/ 914400 w 914400"/>
-                <a:gd name="connsiteY1" fmla="*/ 0 h 399245"/>
-                <a:gd name="connsiteX2" fmla="*/ 914400 w 914400"/>
-                <a:gd name="connsiteY2" fmla="*/ 399245 h 399245"/>
-                <a:gd name="connsiteX3" fmla="*/ 0 w 914400"/>
-                <a:gd name="connsiteY3" fmla="*/ 399245 h 399245"/>
-                <a:gd name="connsiteX0" fmla="*/ 0 w 922563"/>
-                <a:gd name="connsiteY0" fmla="*/ 7200 h 399245"/>
-                <a:gd name="connsiteX1" fmla="*/ 922563 w 922563"/>
-                <a:gd name="connsiteY1" fmla="*/ 0 h 399245"/>
-                <a:gd name="connsiteX2" fmla="*/ 922563 w 922563"/>
-                <a:gd name="connsiteY2" fmla="*/ 399245 h 399245"/>
-                <a:gd name="connsiteX3" fmla="*/ 8163 w 922563"/>
-                <a:gd name="connsiteY3" fmla="*/ 399245 h 399245"/>
-                <a:gd name="connsiteX0" fmla="*/ 0 w 915363"/>
-                <a:gd name="connsiteY0" fmla="*/ 3600 h 399245"/>
-                <a:gd name="connsiteX1" fmla="*/ 915363 w 915363"/>
-                <a:gd name="connsiteY1" fmla="*/ 0 h 399245"/>
-                <a:gd name="connsiteX2" fmla="*/ 915363 w 915363"/>
-                <a:gd name="connsiteY2" fmla="*/ 399245 h 399245"/>
-                <a:gd name="connsiteX3" fmla="*/ 963 w 915363"/>
-                <a:gd name="connsiteY3" fmla="*/ 399245 h 399245"/>
-              </a:gdLst>
-              <a:ahLst/>
-              <a:cxnLst>
-                <a:cxn ang="0">
-                  <a:pos x="connsiteX0" y="connsiteY0"/>
-                </a:cxn>
-                <a:cxn ang="0">
-                  <a:pos x="connsiteX1" y="connsiteY1"/>
-                </a:cxn>
-                <a:cxn ang="0">
-                  <a:pos x="connsiteX2" y="connsiteY2"/>
-                </a:cxn>
-                <a:cxn ang="0">
-                  <a:pos x="connsiteX3" y="connsiteY3"/>
-                </a:cxn>
-              </a:cxnLst>
-              <a:rect l="l" t="t" r="r" b="b"/>
-              <a:pathLst>
-                <a:path w="915363" h="399245">
-                  <a:moveTo>
-                    <a:pt x="0" y="3600"/>
-                  </a:moveTo>
-                  <a:lnTo>
-                    <a:pt x="915363" y="0"/>
-                  </a:lnTo>
-                  <a:lnTo>
-                    <a:pt x="915363" y="399245"/>
-                  </a:lnTo>
-                  <a:lnTo>
-                    <a:pt x="963" y="399245"/>
-                  </a:lnTo>
-                </a:path>
-              </a:pathLst>
-            </a:custGeom>
-            <a:noFill/>
-            <a:ln w="12700">
+            </a:prstTxWarp>
+            <a:noAutofit/>
+          </a:bodyPr>
+          <a:lstStyle>
+            <a:defPPr>
+              <a:defRPr lang="en-US"/>
+            </a:defPPr>
+            <a:lvl1pPr marL="0" algn="l" defTabSz="914400" rtl="0" eaLnBrk="1" latinLnBrk="0" hangingPunct="1">
+              <a:defRPr sz="1800" kern="1200">
+                <a:solidFill>
+                  <a:schemeClr val="lt1"/>
+                </a:solidFill>
+                <a:latin typeface="+mn-lt"/>
+                <a:ea typeface="+mn-ea"/>
+                <a:cs typeface="+mn-cs"/>
+              </a:defRPr>
+            </a:lvl1pPr>
+            <a:lvl2pPr marL="457200" algn="l" defTabSz="914400" rtl="0" eaLnBrk="1" latinLnBrk="0" hangingPunct="1">
+              <a:defRPr sz="1800" kern="1200">
+                <a:solidFill>
+                  <a:schemeClr val="lt1"/>
+                </a:solidFill>
+                <a:latin typeface="+mn-lt"/>
+                <a:ea typeface="+mn-ea"/>
+                <a:cs typeface="+mn-cs"/>
+              </a:defRPr>
+            </a:lvl2pPr>
+            <a:lvl3pPr marL="914400" algn="l" defTabSz="914400" rtl="0" eaLnBrk="1" latinLnBrk="0" hangingPunct="1">
+              <a:defRPr sz="1800" kern="1200">
+                <a:solidFill>
+                  <a:schemeClr val="lt1"/>
+                </a:solidFill>
+                <a:latin typeface="+mn-lt"/>
+                <a:ea typeface="+mn-ea"/>
+                <a:cs typeface="+mn-cs"/>
+              </a:defRPr>
+            </a:lvl3pPr>
+            <a:lvl4pPr marL="1371600" algn="l" defTabSz="914400" rtl="0" eaLnBrk="1" latinLnBrk="0" hangingPunct="1">
+              <a:defRPr sz="1800" kern="1200">
+                <a:solidFill>
+                  <a:schemeClr val="lt1"/>
+                </a:solidFill>
+                <a:latin typeface="+mn-lt"/>
+                <a:ea typeface="+mn-ea"/>
+                <a:cs typeface="+mn-cs"/>
+              </a:defRPr>
+            </a:lvl4pPr>
+            <a:lvl5pPr marL="1828800" algn="l" defTabSz="914400" rtl="0" eaLnBrk="1" latinLnBrk="0" hangingPunct="1">
+              <a:defRPr sz="1800" kern="1200">
+                <a:solidFill>
+                  <a:schemeClr val="lt1"/>
+                </a:solidFill>
+                <a:latin typeface="+mn-lt"/>
+                <a:ea typeface="+mn-ea"/>
+                <a:cs typeface="+mn-cs"/>
+              </a:defRPr>
+            </a:lvl5pPr>
+            <a:lvl6pPr marL="2286000" algn="l" defTabSz="914400" rtl="0" eaLnBrk="1" latinLnBrk="0" hangingPunct="1">
+              <a:defRPr sz="1800" kern="1200">
+                <a:solidFill>
+                  <a:schemeClr val="lt1"/>
+                </a:solidFill>
+                <a:latin typeface="+mn-lt"/>
+                <a:ea typeface="+mn-ea"/>
+                <a:cs typeface="+mn-cs"/>
+              </a:defRPr>
+            </a:lvl6pPr>
+            <a:lvl7pPr marL="2743200" algn="l" defTabSz="914400" rtl="0" eaLnBrk="1" latinLnBrk="0" hangingPunct="1">
+              <a:defRPr sz="1800" kern="1200">
+                <a:solidFill>
+                  <a:schemeClr val="lt1"/>
+                </a:solidFill>
+                <a:latin typeface="+mn-lt"/>
+                <a:ea typeface="+mn-ea"/>
+                <a:cs typeface="+mn-cs"/>
+              </a:defRPr>
+            </a:lvl7pPr>
+            <a:lvl8pPr marL="3200400" algn="l" defTabSz="914400" rtl="0" eaLnBrk="1" latinLnBrk="0" hangingPunct="1">
+              <a:defRPr sz="1800" kern="1200">
+                <a:solidFill>
+                  <a:schemeClr val="lt1"/>
+                </a:solidFill>
+                <a:latin typeface="+mn-lt"/>
+                <a:ea typeface="+mn-ea"/>
+                <a:cs typeface="+mn-cs"/>
+              </a:defRPr>
+            </a:lvl8pPr>
+            <a:lvl9pPr marL="3657600" algn="l" defTabSz="914400" rtl="0" eaLnBrk="1" latinLnBrk="0" hangingPunct="1">
+              <a:defRPr sz="1800" kern="1200">
+                <a:solidFill>
+                  <a:schemeClr val="lt1"/>
+                </a:solidFill>
+                <a:latin typeface="+mn-lt"/>
+                <a:ea typeface="+mn-ea"/>
+                <a:cs typeface="+mn-cs"/>
+              </a:defRPr>
+            </a:lvl9pPr>
+          </a:lstStyle>
+          <a:p>
+            <a:pPr marL="0" marR="0" lvl="0" indent="0" algn="l" defTabSz="914400" rtl="0" eaLnBrk="1" fontAlgn="auto" latinLnBrk="0" hangingPunct="1">
+              <a:lnSpc>
+                <a:spcPct val="100000"/>
+              </a:lnSpc>
+              <a:spcBef>
+                <a:spcPts val="0"/>
+              </a:spcBef>
+              <a:spcAft>
+                <a:spcPts val="0"/>
+              </a:spcAft>
+              <a:buClrTx/>
+              <a:buSzTx/>
+              <a:buFontTx/>
+              <a:buNone/>
+              <a:tabLst/>
+              <a:defRPr/>
+            </a:pPr>
+            <a:r>
+              <a:rPr kumimoji="0" lang="en-US" sz="1200" b="0" i="0" u="none" strike="noStrike" kern="1200" cap="none" spc="0" normalizeH="0" baseline="0" noProof="0" dirty="0">
+                <a:ln w="0"/>
+                <a:solidFill>
+                  <a:sysClr val="windowText" lastClr="000000"/>
+                </a:solidFill>
+                <a:effectLst/>
+                <a:uLnTx/>
+                <a:uFillTx/>
+                <a:latin typeface="Arial" panose="020B0604020202020204"/>
+                <a:ea typeface="+mn-ea"/>
+                <a:cs typeface="+mn-cs"/>
+              </a:rPr>
+              <a:t>AWS Cloud</a:t>
+            </a:r>
+          </a:p>
+        </p:txBody>
+      </p:sp>
+      <p:cxnSp>
+        <p:nvCxnSpPr>
+          <p:cNvPr id="48" name="Straight Arrow Connector 47">
+            <a:extLst>
+              <a:ext uri="{FF2B5EF4-FFF2-40B4-BE49-F238E27FC236}">
+                <a16:creationId xmlns:a16="http://schemas.microsoft.com/office/drawing/2014/main" id="{7BB57BC3-6CA5-4979-B287-6E5F42D1164D}"/>
+              </a:ext>
+            </a:extLst>
+          </p:cNvPr>
+          <p:cNvCxnSpPr/>
+          <p:nvPr/>
+        </p:nvCxnSpPr>
+        <p:spPr>
+          <a:xfrm>
+            <a:off x="5288750" y="5100207"/>
+            <a:ext cx="807250" cy="0"/>
+          </a:xfrm>
+          <a:prstGeom prst="straightConnector1">
+            <a:avLst/>
+          </a:prstGeom>
+          <a:ln w="12700">
+            <a:solidFill>
+              <a:srgbClr val="545B64"/>
+            </a:solidFill>
+            <a:headEnd type="none" w="med" len="sm"/>
+            <a:tailEnd type="arrow" w="med" len="sm"/>
+          </a:ln>
+        </p:spPr>
+        <p:style>
+          <a:lnRef idx="1">
+            <a:schemeClr val="accent1"/>
+          </a:lnRef>
+          <a:fillRef idx="0">
+            <a:schemeClr val="accent1"/>
+          </a:fillRef>
+          <a:effectRef idx="0">
+            <a:schemeClr val="accent1"/>
+          </a:effectRef>
+          <a:fontRef idx="minor">
+            <a:schemeClr val="tx1"/>
+          </a:fontRef>
+        </p:style>
+      </p:cxnSp>
+      <p:sp>
+        <p:nvSpPr>
+          <p:cNvPr id="49" name="TextBox 48">
+            <a:extLst>
+              <a:ext uri="{FF2B5EF4-FFF2-40B4-BE49-F238E27FC236}">
+                <a16:creationId xmlns:a16="http://schemas.microsoft.com/office/drawing/2014/main" id="{3D8BC912-95FE-46EF-AF1C-9681581D4995}"/>
+              </a:ext>
+            </a:extLst>
+          </p:cNvPr>
+          <p:cNvSpPr txBox="1"/>
+          <p:nvPr/>
+        </p:nvSpPr>
+        <p:spPr>
+          <a:xfrm>
+            <a:off x="3833569" y="2811317"/>
+            <a:ext cx="2301904" cy="307777"/>
+          </a:xfrm>
+          <a:prstGeom prst="rect">
+            <a:avLst/>
+          </a:prstGeom>
+          <a:noFill/>
+        </p:spPr>
+        <p:txBody>
+          <a:bodyPr wrap="square" rtlCol="0">
+            <a:spAutoFit/>
+          </a:bodyPr>
+          <a:lstStyle/>
+          <a:p>
+            <a:pPr algn="ctr"/>
+            <a:r>
+              <a:rPr lang="en-US" sz="1400" dirty="0"/>
+              <a:t>Amazon Cognito</a:t>
+            </a:r>
+          </a:p>
+        </p:txBody>
+      </p:sp>
+      <p:pic>
+        <p:nvPicPr>
+          <p:cNvPr id="51" name="Graphic 50">
+            <a:extLst>
+              <a:ext uri="{FF2B5EF4-FFF2-40B4-BE49-F238E27FC236}">
+                <a16:creationId xmlns:a16="http://schemas.microsoft.com/office/drawing/2014/main" id="{7E00E652-3DA6-4525-8D1C-46E770F70994}"/>
+              </a:ext>
+            </a:extLst>
+          </p:cNvPr>
+          <p:cNvPicPr>
+            <a:picLocks noChangeAspect="1"/>
+          </p:cNvPicPr>
+          <p:nvPr/>
+        </p:nvPicPr>
+        <p:blipFill>
+          <a:blip r:embed="rId8">
+            <a:extLst>
+              <a:ext uri="{96DAC541-7B7A-43D3-8B79-37D633B846F1}">
+                <asvg:svgBlip xmlns:asvg="http://schemas.microsoft.com/office/drawing/2016/SVG/main" r:embed="rId9"/>
+              </a:ext>
+            </a:extLst>
+          </a:blip>
+          <a:stretch>
+            <a:fillRect/>
+          </a:stretch>
+        </p:blipFill>
+        <p:spPr>
+          <a:xfrm>
+            <a:off x="4628921" y="2048248"/>
+            <a:ext cx="711200" cy="711200"/>
+          </a:xfrm>
+          <a:prstGeom prst="rect">
+            <a:avLst/>
+          </a:prstGeom>
+        </p:spPr>
+      </p:pic>
+      <p:pic>
+        <p:nvPicPr>
+          <p:cNvPr id="53" name="Graphic 52">
+            <a:extLst>
+              <a:ext uri="{FF2B5EF4-FFF2-40B4-BE49-F238E27FC236}">
+                <a16:creationId xmlns:a16="http://schemas.microsoft.com/office/drawing/2014/main" id="{BD5D287D-86DE-4B43-8F63-839EF7F2F6F2}"/>
+              </a:ext>
+            </a:extLst>
+          </p:cNvPr>
+          <p:cNvPicPr>
+            <a:picLocks noChangeAspect="1"/>
+          </p:cNvPicPr>
+          <p:nvPr/>
+        </p:nvPicPr>
+        <p:blipFill>
+          <a:blip r:embed="rId10">
+            <a:extLst>
+              <a:ext uri="{96DAC541-7B7A-43D3-8B79-37D633B846F1}">
+                <asvg:svgBlip xmlns:asvg="http://schemas.microsoft.com/office/drawing/2016/SVG/main" r:embed="rId11"/>
+              </a:ext>
+            </a:extLst>
+          </a:blip>
+          <a:stretch>
+            <a:fillRect/>
+          </a:stretch>
+        </p:blipFill>
+        <p:spPr>
+          <a:xfrm>
+            <a:off x="6006085" y="2044071"/>
+            <a:ext cx="711200" cy="711200"/>
+          </a:xfrm>
+          <a:prstGeom prst="rect">
+            <a:avLst/>
+          </a:prstGeom>
+        </p:spPr>
+      </p:pic>
+      <p:sp>
+        <p:nvSpPr>
+          <p:cNvPr id="58" name="TextBox 57">
+            <a:extLst>
+              <a:ext uri="{FF2B5EF4-FFF2-40B4-BE49-F238E27FC236}">
+                <a16:creationId xmlns:a16="http://schemas.microsoft.com/office/drawing/2014/main" id="{34AEB26F-E9B3-4150-9F2F-5C446D976375}"/>
+              </a:ext>
+            </a:extLst>
+          </p:cNvPr>
+          <p:cNvSpPr txBox="1"/>
+          <p:nvPr/>
+        </p:nvSpPr>
+        <p:spPr>
+          <a:xfrm>
+            <a:off x="5212923" y="2790287"/>
+            <a:ext cx="2301904" cy="307777"/>
+          </a:xfrm>
+          <a:prstGeom prst="rect">
+            <a:avLst/>
+          </a:prstGeom>
+          <a:noFill/>
+        </p:spPr>
+        <p:txBody>
+          <a:bodyPr wrap="square" rtlCol="0">
+            <a:spAutoFit/>
+          </a:bodyPr>
+          <a:lstStyle/>
+          <a:p>
+            <a:pPr algn="ctr"/>
+            <a:r>
+              <a:rPr lang="en-US" sz="1400" dirty="0">
+                <a:solidFill>
+                  <a:srgbClr val="232F3D"/>
+                </a:solidFill>
+                <a:latin typeface="Arial" panose="020B0604020202020204"/>
+              </a:rPr>
+              <a:t>S3</a:t>
+            </a:r>
+          </a:p>
+        </p:txBody>
+      </p:sp>
+      <p:sp>
+        <p:nvSpPr>
+          <p:cNvPr id="59" name="TextBox 58">
+            <a:extLst>
+              <a:ext uri="{FF2B5EF4-FFF2-40B4-BE49-F238E27FC236}">
+                <a16:creationId xmlns:a16="http://schemas.microsoft.com/office/drawing/2014/main" id="{24C8B349-5C1F-42D2-BC2E-651B92764DE5}"/>
+              </a:ext>
+            </a:extLst>
+          </p:cNvPr>
+          <p:cNvSpPr txBox="1"/>
+          <p:nvPr/>
+        </p:nvSpPr>
+        <p:spPr>
+          <a:xfrm>
+            <a:off x="9328827" y="4234893"/>
+            <a:ext cx="2212547" cy="307777"/>
+          </a:xfrm>
+          <a:prstGeom prst="rect">
+            <a:avLst/>
+          </a:prstGeom>
+          <a:noFill/>
+        </p:spPr>
+        <p:txBody>
+          <a:bodyPr wrap="square" rtlCol="0">
+            <a:spAutoFit/>
+          </a:bodyPr>
+          <a:lstStyle/>
+          <a:p>
+            <a:pPr algn="ctr"/>
+            <a:r>
+              <a:rPr lang="en-US" sz="1400" dirty="0">
+                <a:solidFill>
+                  <a:srgbClr val="232F3D"/>
+                </a:solidFill>
+                <a:latin typeface="Arial" panose="020B0604020202020204"/>
+              </a:rPr>
+              <a:t>Amazon </a:t>
+            </a:r>
+            <a:r>
+              <a:rPr lang="en-US" sz="1400" dirty="0" err="1">
+                <a:solidFill>
+                  <a:srgbClr val="232F3D"/>
+                </a:solidFill>
+                <a:latin typeface="Arial" panose="020B0604020202020204"/>
+              </a:rPr>
+              <a:t>SageMaker</a:t>
+            </a:r>
+            <a:endParaRPr lang="en-US" sz="1400" dirty="0">
               <a:solidFill>
-                <a:schemeClr val="tx2"/>
+                <a:srgbClr val="232F3D"/>
               </a:solidFill>
-            </a:ln>
-          </p:spPr>
-          <p:style>
-            <a:lnRef idx="2">
-              <a:schemeClr val="accent1">
-                <a:shade val="50000"/>
-              </a:schemeClr>
-            </a:lnRef>
-            <a:fillRef idx="1">
-              <a:schemeClr val="accent1"/>
-            </a:fillRef>
-            <a:effectRef idx="0">
-              <a:schemeClr val="accent1"/>
-            </a:effectRef>
-            <a:fontRef idx="minor">
-              <a:schemeClr val="lt1"/>
-            </a:fontRef>
-          </p:style>
-          <p:txBody>
-            <a:bodyPr rtlCol="0" anchor="ctr"/>
-            <a:lstStyle/>
-            <a:p>
-              <a:pPr algn="ctr"/>
-              <a:endParaRPr lang="en-US" dirty="0"/>
-            </a:p>
-          </p:txBody>
-        </p:sp>
-        <p:cxnSp>
-          <p:nvCxnSpPr>
-            <p:cNvPr id="80" name="Straight Arrow Connector 79">
-              <a:extLst>
-                <a:ext uri="{FF2B5EF4-FFF2-40B4-BE49-F238E27FC236}">
-                  <a16:creationId xmlns:a16="http://schemas.microsoft.com/office/drawing/2014/main" xmlns="" id="{042114FF-2D34-E944-B1F8-EBAA4F6AA612}"/>
-                </a:ext>
-              </a:extLst>
-            </p:cNvPr>
-            <p:cNvCxnSpPr>
-              <a:cxnSpLocks/>
-            </p:cNvCxnSpPr>
-            <p:nvPr/>
-          </p:nvCxnSpPr>
-          <p:spPr>
-            <a:xfrm>
-              <a:off x="9144000" y="4720460"/>
-              <a:ext cx="724598" cy="0"/>
-            </a:xfrm>
-            <a:prstGeom prst="straightConnector1">
-              <a:avLst/>
-            </a:prstGeom>
-            <a:ln w="12700">
+              <a:latin typeface="Arial" panose="020B0604020202020204"/>
+            </a:endParaRPr>
+          </a:p>
+        </p:txBody>
+      </p:sp>
+      <p:pic>
+        <p:nvPicPr>
+          <p:cNvPr id="60" name="Graphic 59">
+            <a:extLst>
+              <a:ext uri="{FF2B5EF4-FFF2-40B4-BE49-F238E27FC236}">
+                <a16:creationId xmlns:a16="http://schemas.microsoft.com/office/drawing/2014/main" id="{8B227BEB-AD7E-47DF-918C-14D442241128}"/>
+              </a:ext>
+            </a:extLst>
+          </p:cNvPr>
+          <p:cNvPicPr>
+            <a:picLocks noChangeAspect="1"/>
+          </p:cNvPicPr>
+          <p:nvPr/>
+        </p:nvPicPr>
+        <p:blipFill>
+          <a:blip r:embed="rId12">
+            <a:extLst>
+              <a:ext uri="{96DAC541-7B7A-43D3-8B79-37D633B846F1}">
+                <asvg:svgBlip xmlns:asvg="http://schemas.microsoft.com/office/drawing/2016/SVG/main" r:embed="rId13"/>
+              </a:ext>
+            </a:extLst>
+          </a:blip>
+          <a:stretch>
+            <a:fillRect/>
+          </a:stretch>
+        </p:blipFill>
+        <p:spPr>
+          <a:xfrm>
+            <a:off x="10034969" y="3462389"/>
+            <a:ext cx="711200" cy="711200"/>
+          </a:xfrm>
+          <a:prstGeom prst="rect">
+            <a:avLst/>
+          </a:prstGeom>
+        </p:spPr>
+      </p:pic>
+      <p:sp>
+        <p:nvSpPr>
+          <p:cNvPr id="61" name="TextBox 60">
+            <a:extLst>
+              <a:ext uri="{FF2B5EF4-FFF2-40B4-BE49-F238E27FC236}">
+                <a16:creationId xmlns:a16="http://schemas.microsoft.com/office/drawing/2014/main" id="{9BA034D2-B95C-410C-A215-91E7A2E3F23B}"/>
+              </a:ext>
+            </a:extLst>
+          </p:cNvPr>
+          <p:cNvSpPr txBox="1"/>
+          <p:nvPr/>
+        </p:nvSpPr>
+        <p:spPr>
+          <a:xfrm>
+            <a:off x="9232419" y="2863116"/>
+            <a:ext cx="2301904" cy="307777"/>
+          </a:xfrm>
+          <a:prstGeom prst="rect">
+            <a:avLst/>
+          </a:prstGeom>
+          <a:noFill/>
+        </p:spPr>
+        <p:txBody>
+          <a:bodyPr wrap="square" rtlCol="0">
+            <a:spAutoFit/>
+          </a:bodyPr>
+          <a:lstStyle/>
+          <a:p>
+            <a:pPr algn="ctr"/>
+            <a:r>
+              <a:rPr lang="en-US" sz="1400" dirty="0">
+                <a:solidFill>
+                  <a:srgbClr val="232F3D"/>
+                </a:solidFill>
+                <a:latin typeface="Arial" panose="020B0604020202020204"/>
+              </a:rPr>
+              <a:t>Amazon </a:t>
+            </a:r>
+            <a:r>
+              <a:rPr lang="en-US" sz="1400" dirty="0" err="1">
+                <a:solidFill>
+                  <a:srgbClr val="232F3D"/>
+                </a:solidFill>
+                <a:latin typeface="Arial" panose="020B0604020202020204"/>
+              </a:rPr>
+              <a:t>Rekognition</a:t>
+            </a:r>
+            <a:endParaRPr lang="en-US" sz="1400" dirty="0">
               <a:solidFill>
-                <a:srgbClr val="545B64"/>
+                <a:srgbClr val="232F3D"/>
               </a:solidFill>
-              <a:headEnd type="none" w="med" len="sm"/>
-              <a:tailEnd type="arrow" w="med" len="sm"/>
-            </a:ln>
-          </p:spPr>
-          <p:style>
-            <a:lnRef idx="1">
-              <a:schemeClr val="accent1"/>
-            </a:lnRef>
-            <a:fillRef idx="0">
-              <a:schemeClr val="accent1"/>
-            </a:fillRef>
-            <a:effectRef idx="0">
-              <a:schemeClr val="accent1"/>
-            </a:effectRef>
-            <a:fontRef idx="minor">
-              <a:schemeClr val="tx1"/>
-            </a:fontRef>
-          </p:style>
-        </p:cxnSp>
-      </p:grpSp>
+              <a:latin typeface="Arial" panose="020B0604020202020204"/>
+            </a:endParaRPr>
+          </a:p>
+        </p:txBody>
+      </p:sp>
+      <p:pic>
+        <p:nvPicPr>
+          <p:cNvPr id="77" name="Graphic 76">
+            <a:extLst>
+              <a:ext uri="{FF2B5EF4-FFF2-40B4-BE49-F238E27FC236}">
+                <a16:creationId xmlns:a16="http://schemas.microsoft.com/office/drawing/2014/main" id="{2F194346-DF83-4208-8D50-79D25C2050E1}"/>
+              </a:ext>
+            </a:extLst>
+          </p:cNvPr>
+          <p:cNvPicPr>
+            <a:picLocks noChangeAspect="1"/>
+          </p:cNvPicPr>
+          <p:nvPr/>
+        </p:nvPicPr>
+        <p:blipFill>
+          <a:blip r:embed="rId14">
+            <a:extLst>
+              <a:ext uri="{96DAC541-7B7A-43D3-8B79-37D633B846F1}">
+                <asvg:svgBlip xmlns:asvg="http://schemas.microsoft.com/office/drawing/2016/SVG/main" r:embed="rId15"/>
+              </a:ext>
+            </a:extLst>
+          </a:blip>
+          <a:stretch>
+            <a:fillRect/>
+          </a:stretch>
+        </p:blipFill>
+        <p:spPr>
+          <a:xfrm>
+            <a:off x="9975233" y="2090612"/>
+            <a:ext cx="711200" cy="711200"/>
+          </a:xfrm>
+          <a:prstGeom prst="rect">
+            <a:avLst/>
+          </a:prstGeom>
+        </p:spPr>
+      </p:pic>
+      <p:pic>
+        <p:nvPicPr>
+          <p:cNvPr id="81" name="Graphic 80">
+            <a:extLst>
+              <a:ext uri="{FF2B5EF4-FFF2-40B4-BE49-F238E27FC236}">
+                <a16:creationId xmlns:a16="http://schemas.microsoft.com/office/drawing/2014/main" id="{3B00C28B-4B3D-4764-B061-730AC91088AC}"/>
+              </a:ext>
+            </a:extLst>
+          </p:cNvPr>
+          <p:cNvPicPr>
+            <a:picLocks noChangeAspect="1"/>
+          </p:cNvPicPr>
+          <p:nvPr/>
+        </p:nvPicPr>
+        <p:blipFill>
+          <a:blip r:embed="rId16">
+            <a:extLst>
+              <a:ext uri="{96DAC541-7B7A-43D3-8B79-37D633B846F1}">
+                <asvg:svgBlip xmlns:asvg="http://schemas.microsoft.com/office/drawing/2016/SVG/main" r:embed="rId17"/>
+              </a:ext>
+            </a:extLst>
+          </a:blip>
+          <a:stretch>
+            <a:fillRect/>
+          </a:stretch>
+        </p:blipFill>
+        <p:spPr>
+          <a:xfrm>
+            <a:off x="1860772" y="5200041"/>
+            <a:ext cx="469900" cy="469900"/>
+          </a:xfrm>
+          <a:prstGeom prst="rect">
+            <a:avLst/>
+          </a:prstGeom>
+        </p:spPr>
+      </p:pic>
+      <p:sp>
+        <p:nvSpPr>
+          <p:cNvPr id="82" name="TextBox 81">
+            <a:extLst>
+              <a:ext uri="{FF2B5EF4-FFF2-40B4-BE49-F238E27FC236}">
+                <a16:creationId xmlns:a16="http://schemas.microsoft.com/office/drawing/2014/main" id="{99F4083D-0BF7-4045-802F-4655D3291D31}"/>
+              </a:ext>
+            </a:extLst>
+          </p:cNvPr>
+          <p:cNvSpPr txBox="1"/>
+          <p:nvPr/>
+        </p:nvSpPr>
+        <p:spPr>
+          <a:xfrm>
+            <a:off x="1729510" y="5724797"/>
+            <a:ext cx="731520" cy="548640"/>
+          </a:xfrm>
+          <a:prstGeom prst="rect">
+            <a:avLst/>
+          </a:prstGeom>
+          <a:noFill/>
+        </p:spPr>
+        <p:txBody>
+          <a:bodyPr wrap="square" lIns="0" tIns="0" rIns="0" bIns="0" rtlCol="0" anchor="t">
+            <a:noAutofit/>
+          </a:bodyPr>
+          <a:lstStyle/>
+          <a:p>
+            <a:pPr algn="ctr"/>
+            <a:r>
+              <a:rPr lang="en-US" sz="1200" dirty="0" err="1">
+                <a:solidFill>
+                  <a:srgbClr val="232F3D"/>
+                </a:solidFill>
+                <a:latin typeface="Arial" panose="020B0604020202020204"/>
+              </a:rPr>
+              <a:t>IoT</a:t>
+            </a:r>
+            <a:r>
+              <a:rPr lang="en-US" sz="1200" dirty="0">
+                <a:solidFill>
+                  <a:srgbClr val="232F3D"/>
+                </a:solidFill>
+                <a:latin typeface="Arial" panose="020B0604020202020204"/>
+              </a:rPr>
+              <a:t> thing </a:t>
+            </a:r>
+            <a:br>
+              <a:rPr lang="en-US" sz="1200" dirty="0">
+                <a:solidFill>
+                  <a:srgbClr val="232F3D"/>
+                </a:solidFill>
+                <a:latin typeface="Arial" panose="020B0604020202020204"/>
+              </a:rPr>
+            </a:br>
+            <a:r>
+              <a:rPr lang="en-US" sz="1200" dirty="0">
+                <a:solidFill>
+                  <a:srgbClr val="232F3D"/>
+                </a:solidFill>
+                <a:latin typeface="Arial" panose="020B0604020202020204"/>
+              </a:rPr>
+              <a:t>camera</a:t>
+            </a:r>
+            <a:endParaRPr lang="en-US" sz="2800" dirty="0">
+              <a:solidFill>
+                <a:srgbClr val="232F3D"/>
+              </a:solidFill>
+              <a:latin typeface="Arial" panose="020B0604020202020204"/>
+            </a:endParaRPr>
+          </a:p>
+        </p:txBody>
+      </p:sp>
+      <p:pic>
+        <p:nvPicPr>
+          <p:cNvPr id="83" name="Graphic 82">
+            <a:extLst>
+              <a:ext uri="{FF2B5EF4-FFF2-40B4-BE49-F238E27FC236}">
+                <a16:creationId xmlns:a16="http://schemas.microsoft.com/office/drawing/2014/main" id="{B92EB5DE-26C9-4ED8-8989-FD1CE1C2762A}"/>
+              </a:ext>
+            </a:extLst>
+          </p:cNvPr>
+          <p:cNvPicPr>
+            <a:picLocks noChangeAspect="1"/>
+          </p:cNvPicPr>
+          <p:nvPr/>
+        </p:nvPicPr>
+        <p:blipFill>
+          <a:blip r:embed="rId18">
+            <a:extLst>
+              <a:ext uri="{96DAC541-7B7A-43D3-8B79-37D633B846F1}">
+                <asvg:svgBlip xmlns:asvg="http://schemas.microsoft.com/office/drawing/2016/SVG/main" r:embed="rId19"/>
+              </a:ext>
+            </a:extLst>
+          </a:blip>
+          <a:stretch>
+            <a:fillRect/>
+          </a:stretch>
+        </p:blipFill>
+        <p:spPr>
+          <a:xfrm>
+            <a:off x="1900898" y="4080360"/>
+            <a:ext cx="469900" cy="469900"/>
+          </a:xfrm>
+          <a:prstGeom prst="rect">
+            <a:avLst/>
+          </a:prstGeom>
+        </p:spPr>
+      </p:pic>
+      <p:sp>
+        <p:nvSpPr>
+          <p:cNvPr id="84" name="TextBox 83">
+            <a:extLst>
+              <a:ext uri="{FF2B5EF4-FFF2-40B4-BE49-F238E27FC236}">
+                <a16:creationId xmlns:a16="http://schemas.microsoft.com/office/drawing/2014/main" id="{269D8BD8-D284-4770-BAB9-C06E3DF3CBC6}"/>
+              </a:ext>
+            </a:extLst>
+          </p:cNvPr>
+          <p:cNvSpPr txBox="1"/>
+          <p:nvPr/>
+        </p:nvSpPr>
+        <p:spPr>
+          <a:xfrm>
+            <a:off x="1599473" y="4608836"/>
+            <a:ext cx="1072750" cy="523220"/>
+          </a:xfrm>
+          <a:prstGeom prst="rect">
+            <a:avLst/>
+          </a:prstGeom>
+          <a:noFill/>
+        </p:spPr>
+        <p:txBody>
+          <a:bodyPr wrap="square" rtlCol="0">
+            <a:spAutoFit/>
+          </a:bodyPr>
+          <a:lstStyle/>
+          <a:p>
+            <a:pPr algn="ctr"/>
+            <a:r>
+              <a:rPr lang="en-US" sz="1400" dirty="0">
+                <a:solidFill>
+                  <a:srgbClr val="232F3E"/>
+                </a:solidFill>
+                <a:latin typeface="Arial" panose="020B0604020202020204"/>
+              </a:rPr>
+              <a:t>Mobile client</a:t>
+            </a:r>
+          </a:p>
+        </p:txBody>
+      </p:sp>
+      <p:sp>
+        <p:nvSpPr>
+          <p:cNvPr id="85" name="TextBox 84">
+            <a:extLst>
+              <a:ext uri="{FF2B5EF4-FFF2-40B4-BE49-F238E27FC236}">
+                <a16:creationId xmlns:a16="http://schemas.microsoft.com/office/drawing/2014/main" id="{AB040818-6B2B-4E7D-B662-BDBB9D15863B}"/>
+              </a:ext>
+            </a:extLst>
+          </p:cNvPr>
+          <p:cNvSpPr txBox="1"/>
+          <p:nvPr/>
+        </p:nvSpPr>
+        <p:spPr>
+          <a:xfrm>
+            <a:off x="6969580" y="2784439"/>
+            <a:ext cx="2301904" cy="307777"/>
+          </a:xfrm>
+          <a:prstGeom prst="rect">
+            <a:avLst/>
+          </a:prstGeom>
+          <a:noFill/>
+        </p:spPr>
+        <p:txBody>
+          <a:bodyPr wrap="square" rtlCol="0">
+            <a:spAutoFit/>
+          </a:bodyPr>
+          <a:lstStyle/>
+          <a:p>
+            <a:pPr algn="ctr"/>
+            <a:r>
+              <a:rPr lang="en-US" sz="1400" dirty="0">
+                <a:solidFill>
+                  <a:srgbClr val="232F3D"/>
+                </a:solidFill>
+                <a:latin typeface="Arial" panose="020B0604020202020204"/>
+              </a:rPr>
+              <a:t>AWS Lambda</a:t>
+            </a:r>
+          </a:p>
+        </p:txBody>
+      </p:sp>
+      <p:pic>
+        <p:nvPicPr>
+          <p:cNvPr id="89" name="Graphic 88">
+            <a:extLst>
+              <a:ext uri="{FF2B5EF4-FFF2-40B4-BE49-F238E27FC236}">
+                <a16:creationId xmlns:a16="http://schemas.microsoft.com/office/drawing/2014/main" id="{FACC109D-056B-4A58-A0F7-68E3784FF8A5}"/>
+              </a:ext>
+            </a:extLst>
+          </p:cNvPr>
+          <p:cNvPicPr>
+            <a:picLocks noChangeAspect="1"/>
+          </p:cNvPicPr>
+          <p:nvPr/>
+        </p:nvPicPr>
+        <p:blipFill>
+          <a:blip r:embed="rId20">
+            <a:extLst>
+              <a:ext uri="{96DAC541-7B7A-43D3-8B79-37D633B846F1}">
+                <asvg:svgBlip xmlns:asvg="http://schemas.microsoft.com/office/drawing/2016/SVG/main" r:embed="rId21"/>
+              </a:ext>
+            </a:extLst>
+          </a:blip>
+          <a:stretch>
+            <a:fillRect/>
+          </a:stretch>
+        </p:blipFill>
+        <p:spPr>
+          <a:xfrm>
+            <a:off x="7764932" y="2073239"/>
+            <a:ext cx="711200" cy="711200"/>
+          </a:xfrm>
+          <a:prstGeom prst="rect">
+            <a:avLst/>
+          </a:prstGeom>
+        </p:spPr>
+      </p:pic>
+      <p:cxnSp>
+        <p:nvCxnSpPr>
+          <p:cNvPr id="92" name="Straight Arrow Connector 91">
+            <a:extLst>
+              <a:ext uri="{FF2B5EF4-FFF2-40B4-BE49-F238E27FC236}">
+                <a16:creationId xmlns:a16="http://schemas.microsoft.com/office/drawing/2014/main" id="{D76693C4-E569-415C-8F6B-CBE1FFBE39F9}"/>
+              </a:ext>
+            </a:extLst>
+          </p:cNvPr>
+          <p:cNvCxnSpPr>
+            <a:cxnSpLocks/>
+          </p:cNvCxnSpPr>
+          <p:nvPr/>
+        </p:nvCxnSpPr>
+        <p:spPr>
+          <a:xfrm>
+            <a:off x="8330678" y="3944503"/>
+            <a:ext cx="1697093" cy="0"/>
+          </a:xfrm>
+          <a:prstGeom prst="straightConnector1">
+            <a:avLst/>
+          </a:prstGeom>
+          <a:noFill/>
+          <a:ln w="12700" cap="flat" cmpd="sng" algn="ctr">
+            <a:solidFill>
+              <a:srgbClr val="545B64"/>
+            </a:solidFill>
+            <a:prstDash val="solid"/>
+            <a:miter lim="800000"/>
+            <a:headEnd type="none" w="med" len="sm"/>
+            <a:tailEnd type="arrow" w="med" len="sm"/>
+          </a:ln>
+          <a:effectLst/>
+        </p:spPr>
+      </p:cxnSp>
+      <p:cxnSp>
+        <p:nvCxnSpPr>
+          <p:cNvPr id="93" name="Straight Arrow Connector 92">
+            <a:extLst>
+              <a:ext uri="{FF2B5EF4-FFF2-40B4-BE49-F238E27FC236}">
+                <a16:creationId xmlns:a16="http://schemas.microsoft.com/office/drawing/2014/main" id="{CE1408AF-5028-4685-B5BB-4C202FE5ABA9}"/>
+              </a:ext>
+            </a:extLst>
+          </p:cNvPr>
+          <p:cNvCxnSpPr>
+            <a:cxnSpLocks/>
+          </p:cNvCxnSpPr>
+          <p:nvPr/>
+        </p:nvCxnSpPr>
+        <p:spPr>
+          <a:xfrm>
+            <a:off x="8330678" y="3047116"/>
+            <a:ext cx="0" cy="897387"/>
+          </a:xfrm>
+          <a:prstGeom prst="straightConnector1">
+            <a:avLst/>
+          </a:prstGeom>
+          <a:noFill/>
+          <a:ln w="12700" cap="flat" cmpd="sng" algn="ctr">
+            <a:solidFill>
+              <a:srgbClr val="545B64"/>
+            </a:solidFill>
+            <a:prstDash val="solid"/>
+            <a:miter lim="800000"/>
+            <a:headEnd type="arrow" w="med" len="sm"/>
+            <a:tailEnd type="none" w="med" len="sm"/>
+          </a:ln>
+          <a:effectLst/>
+        </p:spPr>
+      </p:cxnSp>
     </p:spTree>
     <p:extLst>
       <p:ext uri="{BB962C8B-B14F-4D97-AF65-F5344CB8AC3E}">
-        <p14:creationId xmlns:p14="http://schemas.microsoft.com/office/powerpoint/2010/main" val="2619932941"/>
+        <p14:creationId xmlns:p14="http://schemas.microsoft.com/office/powerpoint/2010/main" val="4206083172"/>
       </p:ext>
     </p:extLst>
   </p:cSld>
   <p:clrMapOvr>
     <a:masterClrMapping/>
   </p:clrMapOvr>
-  <p:timing>
-    <p:tnLst>
-      <p:par>
-        <p:cTn id="1" dur="indefinite" restart="never" nodeType="tmRoot"/>
-      </p:par>
-    </p:tnLst>
-  </p:timing>
 </p:sld>
 </file>
 
